--- a/iso 2.0.pptx
+++ b/iso 2.0.pptx
@@ -314,7 +314,7 @@
           <a:p>
             <a:fld id="{38CB1B77-D7B6-49AC-9BFF-2D639300B55D}" type="datetimeFigureOut">
               <a:rPr lang="es-ES" smtClean="0"/>
-              <a:t>16/05/2018</a:t>
+              <a:t>05/06/2018</a:t>
             </a:fld>
             <a:endParaRPr lang="es-ES"/>
           </a:p>
@@ -512,7 +512,7 @@
           <a:p>
             <a:fld id="{38CB1B77-D7B6-49AC-9BFF-2D639300B55D}" type="datetimeFigureOut">
               <a:rPr lang="es-ES" smtClean="0"/>
-              <a:t>16/05/2018</a:t>
+              <a:t>05/06/2018</a:t>
             </a:fld>
             <a:endParaRPr lang="es-ES"/>
           </a:p>
@@ -720,7 +720,7 @@
           <a:p>
             <a:fld id="{38CB1B77-D7B6-49AC-9BFF-2D639300B55D}" type="datetimeFigureOut">
               <a:rPr lang="es-ES" smtClean="0"/>
-              <a:t>16/05/2018</a:t>
+              <a:t>05/06/2018</a:t>
             </a:fld>
             <a:endParaRPr lang="es-ES"/>
           </a:p>
@@ -918,7 +918,7 @@
           <a:p>
             <a:fld id="{38CB1B77-D7B6-49AC-9BFF-2D639300B55D}" type="datetimeFigureOut">
               <a:rPr lang="es-ES" smtClean="0"/>
-              <a:t>16/05/2018</a:t>
+              <a:t>05/06/2018</a:t>
             </a:fld>
             <a:endParaRPr lang="es-ES"/>
           </a:p>
@@ -1193,7 +1193,7 @@
           <a:p>
             <a:fld id="{38CB1B77-D7B6-49AC-9BFF-2D639300B55D}" type="datetimeFigureOut">
               <a:rPr lang="es-ES" smtClean="0"/>
-              <a:t>16/05/2018</a:t>
+              <a:t>05/06/2018</a:t>
             </a:fld>
             <a:endParaRPr lang="es-ES"/>
           </a:p>
@@ -1458,7 +1458,7 @@
           <a:p>
             <a:fld id="{38CB1B77-D7B6-49AC-9BFF-2D639300B55D}" type="datetimeFigureOut">
               <a:rPr lang="es-ES" smtClean="0"/>
-              <a:t>16/05/2018</a:t>
+              <a:t>05/06/2018</a:t>
             </a:fld>
             <a:endParaRPr lang="es-ES"/>
           </a:p>
@@ -1870,7 +1870,7 @@
           <a:p>
             <a:fld id="{38CB1B77-D7B6-49AC-9BFF-2D639300B55D}" type="datetimeFigureOut">
               <a:rPr lang="es-ES" smtClean="0"/>
-              <a:t>16/05/2018</a:t>
+              <a:t>05/06/2018</a:t>
             </a:fld>
             <a:endParaRPr lang="es-ES"/>
           </a:p>
@@ -2011,7 +2011,7 @@
           <a:p>
             <a:fld id="{38CB1B77-D7B6-49AC-9BFF-2D639300B55D}" type="datetimeFigureOut">
               <a:rPr lang="es-ES" smtClean="0"/>
-              <a:t>16/05/2018</a:t>
+              <a:t>05/06/2018</a:t>
             </a:fld>
             <a:endParaRPr lang="es-ES"/>
           </a:p>
@@ -2124,7 +2124,7 @@
           <a:p>
             <a:fld id="{38CB1B77-D7B6-49AC-9BFF-2D639300B55D}" type="datetimeFigureOut">
               <a:rPr lang="es-ES" smtClean="0"/>
-              <a:t>16/05/2018</a:t>
+              <a:t>05/06/2018</a:t>
             </a:fld>
             <a:endParaRPr lang="es-ES"/>
           </a:p>
@@ -2435,7 +2435,7 @@
           <a:p>
             <a:fld id="{38CB1B77-D7B6-49AC-9BFF-2D639300B55D}" type="datetimeFigureOut">
               <a:rPr lang="es-ES" smtClean="0"/>
-              <a:t>16/05/2018</a:t>
+              <a:t>05/06/2018</a:t>
             </a:fld>
             <a:endParaRPr lang="es-ES"/>
           </a:p>
@@ -2723,7 +2723,7 @@
           <a:p>
             <a:fld id="{38CB1B77-D7B6-49AC-9BFF-2D639300B55D}" type="datetimeFigureOut">
               <a:rPr lang="es-ES" smtClean="0"/>
-              <a:t>16/05/2018</a:t>
+              <a:t>05/06/2018</a:t>
             </a:fld>
             <a:endParaRPr lang="es-ES"/>
           </a:p>
@@ -2964,7 +2964,7 @@
           <a:p>
             <a:fld id="{38CB1B77-D7B6-49AC-9BFF-2D639300B55D}" type="datetimeFigureOut">
               <a:rPr lang="es-ES" smtClean="0"/>
-              <a:t>16/05/2018</a:t>
+              <a:t>05/06/2018</a:t>
             </a:fld>
             <a:endParaRPr lang="es-ES"/>
           </a:p>
@@ -5766,6 +5766,42 @@
           </a:p>
         </p:txBody>
       </p:sp>
+      <p:pic>
+        <p:nvPicPr>
+          <p:cNvPr id="20" name="Imagen 19">
+            <a:extLst>
+              <a:ext uri="{FF2B5EF4-FFF2-40B4-BE49-F238E27FC236}">
+                <a16:creationId xmlns:a16="http://schemas.microsoft.com/office/drawing/2014/main" id="{F5F3CC4A-1B45-45C6-B176-B2550D237AA4}"/>
+              </a:ext>
+            </a:extLst>
+          </p:cNvPr>
+          <p:cNvPicPr>
+            <a:picLocks noChangeAspect="1"/>
+          </p:cNvPicPr>
+          <p:nvPr/>
+        </p:nvPicPr>
+        <p:blipFill>
+          <a:blip r:embed="rId10">
+            <a:extLst>
+              <a:ext uri="{28A0092B-C50C-407E-A947-70E740481C1C}">
+                <a14:useLocalDpi xmlns:a14="http://schemas.microsoft.com/office/drawing/2010/main" val="0"/>
+              </a:ext>
+            </a:extLst>
+          </a:blip>
+          <a:stretch>
+            <a:fillRect/>
+          </a:stretch>
+        </p:blipFill>
+        <p:spPr>
+          <a:xfrm>
+            <a:off x="8006633" y="331020"/>
+            <a:ext cx="155644" cy="155644"/>
+          </a:xfrm>
+          <a:prstGeom prst="rect">
+            <a:avLst/>
+          </a:prstGeom>
+        </p:spPr>
+      </p:pic>
     </p:spTree>
     <p:extLst>
       <p:ext uri="{BB962C8B-B14F-4D97-AF65-F5344CB8AC3E}">
@@ -6343,6 +6379,42 @@
           </a:p>
         </p:txBody>
       </p:sp>
+      <p:pic>
+        <p:nvPicPr>
+          <p:cNvPr id="13" name="Imagen 12">
+            <a:extLst>
+              <a:ext uri="{FF2B5EF4-FFF2-40B4-BE49-F238E27FC236}">
+                <a16:creationId xmlns:a16="http://schemas.microsoft.com/office/drawing/2014/main" id="{C02D94C4-049B-46DD-8C46-1B92DBA68DF9}"/>
+              </a:ext>
+            </a:extLst>
+          </p:cNvPr>
+          <p:cNvPicPr>
+            <a:picLocks noChangeAspect="1"/>
+          </p:cNvPicPr>
+          <p:nvPr/>
+        </p:nvPicPr>
+        <p:blipFill>
+          <a:blip r:embed="rId8">
+            <a:extLst>
+              <a:ext uri="{28A0092B-C50C-407E-A947-70E740481C1C}">
+                <a14:useLocalDpi xmlns:a14="http://schemas.microsoft.com/office/drawing/2010/main" val="0"/>
+              </a:ext>
+            </a:extLst>
+          </a:blip>
+          <a:stretch>
+            <a:fillRect/>
+          </a:stretch>
+        </p:blipFill>
+        <p:spPr>
+          <a:xfrm>
+            <a:off x="8006633" y="331020"/>
+            <a:ext cx="155644" cy="155644"/>
+          </a:xfrm>
+          <a:prstGeom prst="rect">
+            <a:avLst/>
+          </a:prstGeom>
+        </p:spPr>
+      </p:pic>
     </p:spTree>
     <p:extLst>
       <p:ext uri="{BB962C8B-B14F-4D97-AF65-F5344CB8AC3E}">
@@ -6920,6 +6992,42 @@
           </a:p>
         </p:txBody>
       </p:sp>
+      <p:pic>
+        <p:nvPicPr>
+          <p:cNvPr id="14" name="Imagen 13">
+            <a:extLst>
+              <a:ext uri="{FF2B5EF4-FFF2-40B4-BE49-F238E27FC236}">
+                <a16:creationId xmlns:a16="http://schemas.microsoft.com/office/drawing/2014/main" id="{BF1D3F47-EB0B-4FCD-803D-C4F715A1876C}"/>
+              </a:ext>
+            </a:extLst>
+          </p:cNvPr>
+          <p:cNvPicPr>
+            <a:picLocks noChangeAspect="1"/>
+          </p:cNvPicPr>
+          <p:nvPr/>
+        </p:nvPicPr>
+        <p:blipFill>
+          <a:blip r:embed="rId9">
+            <a:extLst>
+              <a:ext uri="{28A0092B-C50C-407E-A947-70E740481C1C}">
+                <a14:useLocalDpi xmlns:a14="http://schemas.microsoft.com/office/drawing/2010/main" val="0"/>
+              </a:ext>
+            </a:extLst>
+          </a:blip>
+          <a:stretch>
+            <a:fillRect/>
+          </a:stretch>
+        </p:blipFill>
+        <p:spPr>
+          <a:xfrm>
+            <a:off x="8006633" y="331020"/>
+            <a:ext cx="155644" cy="155644"/>
+          </a:xfrm>
+          <a:prstGeom prst="rect">
+            <a:avLst/>
+          </a:prstGeom>
+        </p:spPr>
+      </p:pic>
     </p:spTree>
     <p:extLst>
       <p:ext uri="{BB962C8B-B14F-4D97-AF65-F5344CB8AC3E}">
@@ -7772,6 +7880,42 @@
           </a:p>
         </p:txBody>
       </p:sp>
+      <p:pic>
+        <p:nvPicPr>
+          <p:cNvPr id="19" name="Imagen 18">
+            <a:extLst>
+              <a:ext uri="{FF2B5EF4-FFF2-40B4-BE49-F238E27FC236}">
+                <a16:creationId xmlns:a16="http://schemas.microsoft.com/office/drawing/2014/main" id="{4A41AF2A-7400-442D-A5AB-B622A903471A}"/>
+              </a:ext>
+            </a:extLst>
+          </p:cNvPr>
+          <p:cNvPicPr>
+            <a:picLocks noChangeAspect="1"/>
+          </p:cNvPicPr>
+          <p:nvPr/>
+        </p:nvPicPr>
+        <p:blipFill>
+          <a:blip r:embed="rId12">
+            <a:extLst>
+              <a:ext uri="{28A0092B-C50C-407E-A947-70E740481C1C}">
+                <a14:useLocalDpi xmlns:a14="http://schemas.microsoft.com/office/drawing/2010/main" val="0"/>
+              </a:ext>
+            </a:extLst>
+          </a:blip>
+          <a:stretch>
+            <a:fillRect/>
+          </a:stretch>
+        </p:blipFill>
+        <p:spPr>
+          <a:xfrm>
+            <a:off x="8006633" y="331020"/>
+            <a:ext cx="155644" cy="155644"/>
+          </a:xfrm>
+          <a:prstGeom prst="rect">
+            <a:avLst/>
+          </a:prstGeom>
+        </p:spPr>
+      </p:pic>
     </p:spTree>
     <p:extLst>
       <p:ext uri="{BB962C8B-B14F-4D97-AF65-F5344CB8AC3E}">
@@ -8404,6 +8548,42 @@
           </a:p>
         </p:txBody>
       </p:sp>
+      <p:pic>
+        <p:nvPicPr>
+          <p:cNvPr id="14" name="Imagen 13">
+            <a:extLst>
+              <a:ext uri="{FF2B5EF4-FFF2-40B4-BE49-F238E27FC236}">
+                <a16:creationId xmlns:a16="http://schemas.microsoft.com/office/drawing/2014/main" id="{BB623599-6C1D-466B-B8E5-6D2261A32AEA}"/>
+              </a:ext>
+            </a:extLst>
+          </p:cNvPr>
+          <p:cNvPicPr>
+            <a:picLocks noChangeAspect="1"/>
+          </p:cNvPicPr>
+          <p:nvPr/>
+        </p:nvPicPr>
+        <p:blipFill>
+          <a:blip r:embed="rId9">
+            <a:extLst>
+              <a:ext uri="{28A0092B-C50C-407E-A947-70E740481C1C}">
+                <a14:useLocalDpi xmlns:a14="http://schemas.microsoft.com/office/drawing/2010/main" val="0"/>
+              </a:ext>
+            </a:extLst>
+          </a:blip>
+          <a:stretch>
+            <a:fillRect/>
+          </a:stretch>
+        </p:blipFill>
+        <p:spPr>
+          <a:xfrm>
+            <a:off x="8006633" y="331020"/>
+            <a:ext cx="155644" cy="155644"/>
+          </a:xfrm>
+          <a:prstGeom prst="rect">
+            <a:avLst/>
+          </a:prstGeom>
+        </p:spPr>
+      </p:pic>
     </p:spTree>
     <p:extLst>
       <p:ext uri="{BB962C8B-B14F-4D97-AF65-F5344CB8AC3E}">
@@ -8981,6 +9161,42 @@
           </a:p>
         </p:txBody>
       </p:sp>
+      <p:pic>
+        <p:nvPicPr>
+          <p:cNvPr id="13" name="Imagen 12">
+            <a:extLst>
+              <a:ext uri="{FF2B5EF4-FFF2-40B4-BE49-F238E27FC236}">
+                <a16:creationId xmlns:a16="http://schemas.microsoft.com/office/drawing/2014/main" id="{23454A90-2CEC-4E1A-A722-9C77AD7B31F9}"/>
+              </a:ext>
+            </a:extLst>
+          </p:cNvPr>
+          <p:cNvPicPr>
+            <a:picLocks noChangeAspect="1"/>
+          </p:cNvPicPr>
+          <p:nvPr/>
+        </p:nvPicPr>
+        <p:blipFill>
+          <a:blip r:embed="rId11">
+            <a:extLst>
+              <a:ext uri="{28A0092B-C50C-407E-A947-70E740481C1C}">
+                <a14:useLocalDpi xmlns:a14="http://schemas.microsoft.com/office/drawing/2010/main" val="0"/>
+              </a:ext>
+            </a:extLst>
+          </a:blip>
+          <a:stretch>
+            <a:fillRect/>
+          </a:stretch>
+        </p:blipFill>
+        <p:spPr>
+          <a:xfrm>
+            <a:off x="8006633" y="331020"/>
+            <a:ext cx="155644" cy="155644"/>
+          </a:xfrm>
+          <a:prstGeom prst="rect">
+            <a:avLst/>
+          </a:prstGeom>
+        </p:spPr>
+      </p:pic>
     </p:spTree>
     <p:extLst>
       <p:ext uri="{BB962C8B-B14F-4D97-AF65-F5344CB8AC3E}">
@@ -9550,6 +9766,42 @@
           </a:p>
         </p:txBody>
       </p:sp>
+      <p:pic>
+        <p:nvPicPr>
+          <p:cNvPr id="13" name="Imagen 12">
+            <a:extLst>
+              <a:ext uri="{FF2B5EF4-FFF2-40B4-BE49-F238E27FC236}">
+                <a16:creationId xmlns:a16="http://schemas.microsoft.com/office/drawing/2014/main" id="{AE244226-C79E-4210-9335-47EEDB3ACA2C}"/>
+              </a:ext>
+            </a:extLst>
+          </p:cNvPr>
+          <p:cNvPicPr>
+            <a:picLocks noChangeAspect="1"/>
+          </p:cNvPicPr>
+          <p:nvPr/>
+        </p:nvPicPr>
+        <p:blipFill>
+          <a:blip r:embed="rId9">
+            <a:extLst>
+              <a:ext uri="{28A0092B-C50C-407E-A947-70E740481C1C}">
+                <a14:useLocalDpi xmlns:a14="http://schemas.microsoft.com/office/drawing/2010/main" val="0"/>
+              </a:ext>
+            </a:extLst>
+          </a:blip>
+          <a:stretch>
+            <a:fillRect/>
+          </a:stretch>
+        </p:blipFill>
+        <p:spPr>
+          <a:xfrm>
+            <a:off x="8006633" y="331020"/>
+            <a:ext cx="155644" cy="155644"/>
+          </a:xfrm>
+          <a:prstGeom prst="rect">
+            <a:avLst/>
+          </a:prstGeom>
+        </p:spPr>
+      </p:pic>
     </p:spTree>
     <p:extLst>
       <p:ext uri="{BB962C8B-B14F-4D97-AF65-F5344CB8AC3E}">
@@ -10182,6 +10434,42 @@
           </a:p>
         </p:txBody>
       </p:sp>
+      <p:pic>
+        <p:nvPicPr>
+          <p:cNvPr id="14" name="Imagen 13">
+            <a:extLst>
+              <a:ext uri="{FF2B5EF4-FFF2-40B4-BE49-F238E27FC236}">
+                <a16:creationId xmlns:a16="http://schemas.microsoft.com/office/drawing/2014/main" id="{2E2463A7-BCD6-4326-A82D-55EE26E00C52}"/>
+              </a:ext>
+            </a:extLst>
+          </p:cNvPr>
+          <p:cNvPicPr>
+            <a:picLocks noChangeAspect="1"/>
+          </p:cNvPicPr>
+          <p:nvPr/>
+        </p:nvPicPr>
+        <p:blipFill>
+          <a:blip r:embed="rId9">
+            <a:extLst>
+              <a:ext uri="{28A0092B-C50C-407E-A947-70E740481C1C}">
+                <a14:useLocalDpi xmlns:a14="http://schemas.microsoft.com/office/drawing/2010/main" val="0"/>
+              </a:ext>
+            </a:extLst>
+          </a:blip>
+          <a:stretch>
+            <a:fillRect/>
+          </a:stretch>
+        </p:blipFill>
+        <p:spPr>
+          <a:xfrm>
+            <a:off x="8006633" y="331020"/>
+            <a:ext cx="155644" cy="155644"/>
+          </a:xfrm>
+          <a:prstGeom prst="rect">
+            <a:avLst/>
+          </a:prstGeom>
+        </p:spPr>
+      </p:pic>
     </p:spTree>
     <p:extLst>
       <p:ext uri="{BB962C8B-B14F-4D97-AF65-F5344CB8AC3E}">
@@ -11721,6 +12009,42 @@
           </a:p>
         </p:txBody>
       </p:sp>
+      <p:pic>
+        <p:nvPicPr>
+          <p:cNvPr id="19" name="Imagen 18">
+            <a:extLst>
+              <a:ext uri="{FF2B5EF4-FFF2-40B4-BE49-F238E27FC236}">
+                <a16:creationId xmlns:a16="http://schemas.microsoft.com/office/drawing/2014/main" id="{F9A6F98D-2789-4E23-99AA-90B46A62C2D3}"/>
+              </a:ext>
+            </a:extLst>
+          </p:cNvPr>
+          <p:cNvPicPr>
+            <a:picLocks noChangeAspect="1"/>
+          </p:cNvPicPr>
+          <p:nvPr/>
+        </p:nvPicPr>
+        <p:blipFill>
+          <a:blip r:embed="rId13">
+            <a:extLst>
+              <a:ext uri="{28A0092B-C50C-407E-A947-70E740481C1C}">
+                <a14:useLocalDpi xmlns:a14="http://schemas.microsoft.com/office/drawing/2010/main" val="0"/>
+              </a:ext>
+            </a:extLst>
+          </a:blip>
+          <a:stretch>
+            <a:fillRect/>
+          </a:stretch>
+        </p:blipFill>
+        <p:spPr>
+          <a:xfrm>
+            <a:off x="8006633" y="331020"/>
+            <a:ext cx="155644" cy="155644"/>
+          </a:xfrm>
+          <a:prstGeom prst="rect">
+            <a:avLst/>
+          </a:prstGeom>
+        </p:spPr>
+      </p:pic>
     </p:spTree>
     <p:extLst>
       <p:ext uri="{BB962C8B-B14F-4D97-AF65-F5344CB8AC3E}">
@@ -12298,6 +12622,42 @@
           </a:p>
         </p:txBody>
       </p:sp>
+      <p:pic>
+        <p:nvPicPr>
+          <p:cNvPr id="15" name="Imagen 14">
+            <a:extLst>
+              <a:ext uri="{FF2B5EF4-FFF2-40B4-BE49-F238E27FC236}">
+                <a16:creationId xmlns:a16="http://schemas.microsoft.com/office/drawing/2014/main" id="{470C3862-FACD-4CD5-B5BD-E1C63EF11737}"/>
+              </a:ext>
+            </a:extLst>
+          </p:cNvPr>
+          <p:cNvPicPr>
+            <a:picLocks noChangeAspect="1"/>
+          </p:cNvPicPr>
+          <p:nvPr/>
+        </p:nvPicPr>
+        <p:blipFill>
+          <a:blip r:embed="rId9">
+            <a:extLst>
+              <a:ext uri="{28A0092B-C50C-407E-A947-70E740481C1C}">
+                <a14:useLocalDpi xmlns:a14="http://schemas.microsoft.com/office/drawing/2010/main" val="0"/>
+              </a:ext>
+            </a:extLst>
+          </a:blip>
+          <a:stretch>
+            <a:fillRect/>
+          </a:stretch>
+        </p:blipFill>
+        <p:spPr>
+          <a:xfrm>
+            <a:off x="8006633" y="331020"/>
+            <a:ext cx="155644" cy="155644"/>
+          </a:xfrm>
+          <a:prstGeom prst="rect">
+            <a:avLst/>
+          </a:prstGeom>
+        </p:spPr>
+      </p:pic>
     </p:spTree>
     <p:extLst>
       <p:ext uri="{BB962C8B-B14F-4D97-AF65-F5344CB8AC3E}">
@@ -12985,6 +13345,42 @@
           </a:p>
         </p:txBody>
       </p:sp>
+      <p:pic>
+        <p:nvPicPr>
+          <p:cNvPr id="15" name="Imagen 14">
+            <a:extLst>
+              <a:ext uri="{FF2B5EF4-FFF2-40B4-BE49-F238E27FC236}">
+                <a16:creationId xmlns:a16="http://schemas.microsoft.com/office/drawing/2014/main" id="{D16BAF1A-3C7D-4A56-B5EA-8A147EA8F545}"/>
+              </a:ext>
+            </a:extLst>
+          </p:cNvPr>
+          <p:cNvPicPr>
+            <a:picLocks noChangeAspect="1"/>
+          </p:cNvPicPr>
+          <p:nvPr/>
+        </p:nvPicPr>
+        <p:blipFill>
+          <a:blip r:embed="rId10">
+            <a:extLst>
+              <a:ext uri="{28A0092B-C50C-407E-A947-70E740481C1C}">
+                <a14:useLocalDpi xmlns:a14="http://schemas.microsoft.com/office/drawing/2010/main" val="0"/>
+              </a:ext>
+            </a:extLst>
+          </a:blip>
+          <a:stretch>
+            <a:fillRect/>
+          </a:stretch>
+        </p:blipFill>
+        <p:spPr>
+          <a:xfrm>
+            <a:off x="8006633" y="331020"/>
+            <a:ext cx="155644" cy="155644"/>
+          </a:xfrm>
+          <a:prstGeom prst="rect">
+            <a:avLst/>
+          </a:prstGeom>
+        </p:spPr>
+      </p:pic>
     </p:spTree>
     <p:extLst>
       <p:ext uri="{BB962C8B-B14F-4D97-AF65-F5344CB8AC3E}">
@@ -13507,6 +13903,42 @@
           </a:p>
         </p:txBody>
       </p:sp>
+      <p:pic>
+        <p:nvPicPr>
+          <p:cNvPr id="12" name="Imagen 11">
+            <a:extLst>
+              <a:ext uri="{FF2B5EF4-FFF2-40B4-BE49-F238E27FC236}">
+                <a16:creationId xmlns:a16="http://schemas.microsoft.com/office/drawing/2014/main" id="{C5408D3B-E736-41F5-A865-F814CFCCFEC0}"/>
+              </a:ext>
+            </a:extLst>
+          </p:cNvPr>
+          <p:cNvPicPr>
+            <a:picLocks noChangeAspect="1"/>
+          </p:cNvPicPr>
+          <p:nvPr/>
+        </p:nvPicPr>
+        <p:blipFill>
+          <a:blip r:embed="rId10">
+            <a:extLst>
+              <a:ext uri="{28A0092B-C50C-407E-A947-70E740481C1C}">
+                <a14:useLocalDpi xmlns:a14="http://schemas.microsoft.com/office/drawing/2010/main" val="0"/>
+              </a:ext>
+            </a:extLst>
+          </a:blip>
+          <a:stretch>
+            <a:fillRect/>
+          </a:stretch>
+        </p:blipFill>
+        <p:spPr>
+          <a:xfrm>
+            <a:off x="8006633" y="331020"/>
+            <a:ext cx="155644" cy="155644"/>
+          </a:xfrm>
+          <a:prstGeom prst="rect">
+            <a:avLst/>
+          </a:prstGeom>
+        </p:spPr>
+      </p:pic>
     </p:spTree>
     <p:extLst>
       <p:ext uri="{BB962C8B-B14F-4D97-AF65-F5344CB8AC3E}">
@@ -14029,6 +14461,42 @@
           </a:p>
         </p:txBody>
       </p:sp>
+      <p:pic>
+        <p:nvPicPr>
+          <p:cNvPr id="13" name="Imagen 12">
+            <a:extLst>
+              <a:ext uri="{FF2B5EF4-FFF2-40B4-BE49-F238E27FC236}">
+                <a16:creationId xmlns:a16="http://schemas.microsoft.com/office/drawing/2014/main" id="{126CA4E6-5C3C-49E5-938F-2B32C6AD6B05}"/>
+              </a:ext>
+            </a:extLst>
+          </p:cNvPr>
+          <p:cNvPicPr>
+            <a:picLocks noChangeAspect="1"/>
+          </p:cNvPicPr>
+          <p:nvPr/>
+        </p:nvPicPr>
+        <p:blipFill>
+          <a:blip r:embed="rId8">
+            <a:extLst>
+              <a:ext uri="{28A0092B-C50C-407E-A947-70E740481C1C}">
+                <a14:useLocalDpi xmlns:a14="http://schemas.microsoft.com/office/drawing/2010/main" val="0"/>
+              </a:ext>
+            </a:extLst>
+          </a:blip>
+          <a:stretch>
+            <a:fillRect/>
+          </a:stretch>
+        </p:blipFill>
+        <p:spPr>
+          <a:xfrm>
+            <a:off x="8006633" y="331020"/>
+            <a:ext cx="155644" cy="155644"/>
+          </a:xfrm>
+          <a:prstGeom prst="rect">
+            <a:avLst/>
+          </a:prstGeom>
+        </p:spPr>
+      </p:pic>
     </p:spTree>
     <p:extLst>
       <p:ext uri="{BB962C8B-B14F-4D97-AF65-F5344CB8AC3E}">
@@ -14551,6 +15019,42 @@
           </a:p>
         </p:txBody>
       </p:sp>
+      <p:pic>
+        <p:nvPicPr>
+          <p:cNvPr id="12" name="Imagen 11">
+            <a:extLst>
+              <a:ext uri="{FF2B5EF4-FFF2-40B4-BE49-F238E27FC236}">
+                <a16:creationId xmlns:a16="http://schemas.microsoft.com/office/drawing/2014/main" id="{16FBEE40-E959-4E31-853B-E34FE7E8D7BF}"/>
+              </a:ext>
+            </a:extLst>
+          </p:cNvPr>
+          <p:cNvPicPr>
+            <a:picLocks noChangeAspect="1"/>
+          </p:cNvPicPr>
+          <p:nvPr/>
+        </p:nvPicPr>
+        <p:blipFill>
+          <a:blip r:embed="rId8">
+            <a:extLst>
+              <a:ext uri="{28A0092B-C50C-407E-A947-70E740481C1C}">
+                <a14:useLocalDpi xmlns:a14="http://schemas.microsoft.com/office/drawing/2010/main" val="0"/>
+              </a:ext>
+            </a:extLst>
+          </a:blip>
+          <a:stretch>
+            <a:fillRect/>
+          </a:stretch>
+        </p:blipFill>
+        <p:spPr>
+          <a:xfrm>
+            <a:off x="8006633" y="331020"/>
+            <a:ext cx="155644" cy="155644"/>
+          </a:xfrm>
+          <a:prstGeom prst="rect">
+            <a:avLst/>
+          </a:prstGeom>
+        </p:spPr>
+      </p:pic>
     </p:spTree>
     <p:extLst>
       <p:ext uri="{BB962C8B-B14F-4D97-AF65-F5344CB8AC3E}">
@@ -15238,6 +15742,42 @@
           </a:p>
         </p:txBody>
       </p:sp>
+      <p:pic>
+        <p:nvPicPr>
+          <p:cNvPr id="15" name="Imagen 14">
+            <a:extLst>
+              <a:ext uri="{FF2B5EF4-FFF2-40B4-BE49-F238E27FC236}">
+                <a16:creationId xmlns:a16="http://schemas.microsoft.com/office/drawing/2014/main" id="{9085123F-112A-462C-9A12-6A2077E09E9D}"/>
+              </a:ext>
+            </a:extLst>
+          </p:cNvPr>
+          <p:cNvPicPr>
+            <a:picLocks noChangeAspect="1"/>
+          </p:cNvPicPr>
+          <p:nvPr/>
+        </p:nvPicPr>
+        <p:blipFill>
+          <a:blip r:embed="rId12">
+            <a:extLst>
+              <a:ext uri="{28A0092B-C50C-407E-A947-70E740481C1C}">
+                <a14:useLocalDpi xmlns:a14="http://schemas.microsoft.com/office/drawing/2010/main" val="0"/>
+              </a:ext>
+            </a:extLst>
+          </a:blip>
+          <a:stretch>
+            <a:fillRect/>
+          </a:stretch>
+        </p:blipFill>
+        <p:spPr>
+          <a:xfrm>
+            <a:off x="8006633" y="331020"/>
+            <a:ext cx="155644" cy="155644"/>
+          </a:xfrm>
+          <a:prstGeom prst="rect">
+            <a:avLst/>
+          </a:prstGeom>
+        </p:spPr>
+      </p:pic>
     </p:spTree>
     <p:extLst>
       <p:ext uri="{BB962C8B-B14F-4D97-AF65-F5344CB8AC3E}">
@@ -16722,6 +17262,42 @@
           </a:p>
         </p:txBody>
       </p:sp>
+      <p:pic>
+        <p:nvPicPr>
+          <p:cNvPr id="19" name="Imagen 18">
+            <a:extLst>
+              <a:ext uri="{FF2B5EF4-FFF2-40B4-BE49-F238E27FC236}">
+                <a16:creationId xmlns:a16="http://schemas.microsoft.com/office/drawing/2014/main" id="{549C45A8-616D-4AB5-9B82-8FE957A03DCD}"/>
+              </a:ext>
+            </a:extLst>
+          </p:cNvPr>
+          <p:cNvPicPr>
+            <a:picLocks noChangeAspect="1"/>
+          </p:cNvPicPr>
+          <p:nvPr/>
+        </p:nvPicPr>
+        <p:blipFill>
+          <a:blip r:embed="rId12">
+            <a:extLst>
+              <a:ext uri="{28A0092B-C50C-407E-A947-70E740481C1C}">
+                <a14:useLocalDpi xmlns:a14="http://schemas.microsoft.com/office/drawing/2010/main" val="0"/>
+              </a:ext>
+            </a:extLst>
+          </a:blip>
+          <a:stretch>
+            <a:fillRect/>
+          </a:stretch>
+        </p:blipFill>
+        <p:spPr>
+          <a:xfrm>
+            <a:off x="8006633" y="331020"/>
+            <a:ext cx="155644" cy="155644"/>
+          </a:xfrm>
+          <a:prstGeom prst="rect">
+            <a:avLst/>
+          </a:prstGeom>
+        </p:spPr>
+      </p:pic>
     </p:spTree>
     <p:extLst>
       <p:ext uri="{BB962C8B-B14F-4D97-AF65-F5344CB8AC3E}">
@@ -17574,6 +18150,42 @@
           </a:p>
         </p:txBody>
       </p:sp>
+      <p:pic>
+        <p:nvPicPr>
+          <p:cNvPr id="18" name="Imagen 17">
+            <a:extLst>
+              <a:ext uri="{FF2B5EF4-FFF2-40B4-BE49-F238E27FC236}">
+                <a16:creationId xmlns:a16="http://schemas.microsoft.com/office/drawing/2014/main" id="{D1900BE5-5D29-4ADD-B0BA-591147E1475C}"/>
+              </a:ext>
+            </a:extLst>
+          </p:cNvPr>
+          <p:cNvPicPr>
+            <a:picLocks noChangeAspect="1"/>
+          </p:cNvPicPr>
+          <p:nvPr/>
+        </p:nvPicPr>
+        <p:blipFill>
+          <a:blip r:embed="rId11">
+            <a:extLst>
+              <a:ext uri="{28A0092B-C50C-407E-A947-70E740481C1C}">
+                <a14:useLocalDpi xmlns:a14="http://schemas.microsoft.com/office/drawing/2010/main" val="0"/>
+              </a:ext>
+            </a:extLst>
+          </a:blip>
+          <a:stretch>
+            <a:fillRect/>
+          </a:stretch>
+        </p:blipFill>
+        <p:spPr>
+          <a:xfrm>
+            <a:off x="8006633" y="331020"/>
+            <a:ext cx="155644" cy="155644"/>
+          </a:xfrm>
+          <a:prstGeom prst="rect">
+            <a:avLst/>
+          </a:prstGeom>
+        </p:spPr>
+      </p:pic>
     </p:spTree>
     <p:extLst>
       <p:ext uri="{BB962C8B-B14F-4D97-AF65-F5344CB8AC3E}">
@@ -19168,6 +19780,42 @@
           </a:p>
         </p:txBody>
       </p:sp>
+      <p:pic>
+        <p:nvPicPr>
+          <p:cNvPr id="20" name="Imagen 19">
+            <a:extLst>
+              <a:ext uri="{FF2B5EF4-FFF2-40B4-BE49-F238E27FC236}">
+                <a16:creationId xmlns:a16="http://schemas.microsoft.com/office/drawing/2014/main" id="{BF82B43D-3964-473B-BA84-FBB355D3D7B6}"/>
+              </a:ext>
+            </a:extLst>
+          </p:cNvPr>
+          <p:cNvPicPr>
+            <a:picLocks noChangeAspect="1"/>
+          </p:cNvPicPr>
+          <p:nvPr/>
+        </p:nvPicPr>
+        <p:blipFill>
+          <a:blip r:embed="rId12">
+            <a:extLst>
+              <a:ext uri="{28A0092B-C50C-407E-A947-70E740481C1C}">
+                <a14:useLocalDpi xmlns:a14="http://schemas.microsoft.com/office/drawing/2010/main" val="0"/>
+              </a:ext>
+            </a:extLst>
+          </a:blip>
+          <a:stretch>
+            <a:fillRect/>
+          </a:stretch>
+        </p:blipFill>
+        <p:spPr>
+          <a:xfrm>
+            <a:off x="8006633" y="331020"/>
+            <a:ext cx="155644" cy="155644"/>
+          </a:xfrm>
+          <a:prstGeom prst="rect">
+            <a:avLst/>
+          </a:prstGeom>
+        </p:spPr>
+      </p:pic>
     </p:spTree>
     <p:extLst>
       <p:ext uri="{BB962C8B-B14F-4D97-AF65-F5344CB8AC3E}">
@@ -20240,6 +20888,42 @@
           </a:p>
         </p:txBody>
       </p:sp>
+      <p:pic>
+        <p:nvPicPr>
+          <p:cNvPr id="22" name="Imagen 21">
+            <a:extLst>
+              <a:ext uri="{FF2B5EF4-FFF2-40B4-BE49-F238E27FC236}">
+                <a16:creationId xmlns:a16="http://schemas.microsoft.com/office/drawing/2014/main" id="{964C7658-4968-4D8B-8B36-C23F0733A06B}"/>
+              </a:ext>
+            </a:extLst>
+          </p:cNvPr>
+          <p:cNvPicPr>
+            <a:picLocks noChangeAspect="1"/>
+          </p:cNvPicPr>
+          <p:nvPr/>
+        </p:nvPicPr>
+        <p:blipFill>
+          <a:blip r:embed="rId14">
+            <a:extLst>
+              <a:ext uri="{28A0092B-C50C-407E-A947-70E740481C1C}">
+                <a14:useLocalDpi xmlns:a14="http://schemas.microsoft.com/office/drawing/2010/main" val="0"/>
+              </a:ext>
+            </a:extLst>
+          </a:blip>
+          <a:stretch>
+            <a:fillRect/>
+          </a:stretch>
+        </p:blipFill>
+        <p:spPr>
+          <a:xfrm>
+            <a:off x="8006633" y="331020"/>
+            <a:ext cx="155644" cy="155644"/>
+          </a:xfrm>
+          <a:prstGeom prst="rect">
+            <a:avLst/>
+          </a:prstGeom>
+        </p:spPr>
+      </p:pic>
     </p:spTree>
     <p:extLst>
       <p:ext uri="{BB962C8B-B14F-4D97-AF65-F5344CB8AC3E}">
@@ -21147,6 +21831,42 @@
           </a:p>
         </p:txBody>
       </p:sp>
+      <p:pic>
+        <p:nvPicPr>
+          <p:cNvPr id="20" name="Imagen 19">
+            <a:extLst>
+              <a:ext uri="{FF2B5EF4-FFF2-40B4-BE49-F238E27FC236}">
+                <a16:creationId xmlns:a16="http://schemas.microsoft.com/office/drawing/2014/main" id="{1703B460-6DEE-4982-BDC1-EB82CE0F182F}"/>
+              </a:ext>
+            </a:extLst>
+          </p:cNvPr>
+          <p:cNvPicPr>
+            <a:picLocks noChangeAspect="1"/>
+          </p:cNvPicPr>
+          <p:nvPr/>
+        </p:nvPicPr>
+        <p:blipFill>
+          <a:blip r:embed="rId11">
+            <a:extLst>
+              <a:ext uri="{28A0092B-C50C-407E-A947-70E740481C1C}">
+                <a14:useLocalDpi xmlns:a14="http://schemas.microsoft.com/office/drawing/2010/main" val="0"/>
+              </a:ext>
+            </a:extLst>
+          </a:blip>
+          <a:stretch>
+            <a:fillRect/>
+          </a:stretch>
+        </p:blipFill>
+        <p:spPr>
+          <a:xfrm>
+            <a:off x="8006633" y="331020"/>
+            <a:ext cx="155644" cy="155644"/>
+          </a:xfrm>
+          <a:prstGeom prst="rect">
+            <a:avLst/>
+          </a:prstGeom>
+        </p:spPr>
+      </p:pic>
     </p:spTree>
     <p:extLst>
       <p:ext uri="{BB962C8B-B14F-4D97-AF65-F5344CB8AC3E}">
@@ -21614,6 +22334,42 @@
           </a:p>
         </p:txBody>
       </p:sp>
+      <p:pic>
+        <p:nvPicPr>
+          <p:cNvPr id="11" name="Imagen 10">
+            <a:extLst>
+              <a:ext uri="{FF2B5EF4-FFF2-40B4-BE49-F238E27FC236}">
+                <a16:creationId xmlns:a16="http://schemas.microsoft.com/office/drawing/2014/main" id="{23182ABA-61F4-4D6C-B76F-6FDABC35A58F}"/>
+              </a:ext>
+            </a:extLst>
+          </p:cNvPr>
+          <p:cNvPicPr>
+            <a:picLocks noChangeAspect="1"/>
+          </p:cNvPicPr>
+          <p:nvPr/>
+        </p:nvPicPr>
+        <p:blipFill>
+          <a:blip r:embed="rId9">
+            <a:extLst>
+              <a:ext uri="{28A0092B-C50C-407E-A947-70E740481C1C}">
+                <a14:useLocalDpi xmlns:a14="http://schemas.microsoft.com/office/drawing/2010/main" val="0"/>
+              </a:ext>
+            </a:extLst>
+          </a:blip>
+          <a:stretch>
+            <a:fillRect/>
+          </a:stretch>
+        </p:blipFill>
+        <p:spPr>
+          <a:xfrm>
+            <a:off x="8006633" y="331020"/>
+            <a:ext cx="155644" cy="155644"/>
+          </a:xfrm>
+          <a:prstGeom prst="rect">
+            <a:avLst/>
+          </a:prstGeom>
+        </p:spPr>
+      </p:pic>
     </p:spTree>
     <p:extLst>
       <p:ext uri="{BB962C8B-B14F-4D97-AF65-F5344CB8AC3E}">
@@ -22026,6 +22782,42 @@
           </a:p>
         </p:txBody>
       </p:sp>
+      <p:pic>
+        <p:nvPicPr>
+          <p:cNvPr id="11" name="Imagen 10">
+            <a:extLst>
+              <a:ext uri="{FF2B5EF4-FFF2-40B4-BE49-F238E27FC236}">
+                <a16:creationId xmlns:a16="http://schemas.microsoft.com/office/drawing/2014/main" id="{039D37C4-FC19-4B86-A408-2EB7F37A59AB}"/>
+              </a:ext>
+            </a:extLst>
+          </p:cNvPr>
+          <p:cNvPicPr>
+            <a:picLocks noChangeAspect="1"/>
+          </p:cNvPicPr>
+          <p:nvPr/>
+        </p:nvPicPr>
+        <p:blipFill>
+          <a:blip r:embed="rId8">
+            <a:extLst>
+              <a:ext uri="{28A0092B-C50C-407E-A947-70E740481C1C}">
+                <a14:useLocalDpi xmlns:a14="http://schemas.microsoft.com/office/drawing/2010/main" val="0"/>
+              </a:ext>
+            </a:extLst>
+          </a:blip>
+          <a:stretch>
+            <a:fillRect/>
+          </a:stretch>
+        </p:blipFill>
+        <p:spPr>
+          <a:xfrm>
+            <a:off x="8006633" y="331020"/>
+            <a:ext cx="155644" cy="155644"/>
+          </a:xfrm>
+          <a:prstGeom prst="rect">
+            <a:avLst/>
+          </a:prstGeom>
+        </p:spPr>
+      </p:pic>
     </p:spTree>
     <p:extLst>
       <p:ext uri="{BB962C8B-B14F-4D97-AF65-F5344CB8AC3E}">
@@ -22548,6 +23340,42 @@
           </a:p>
         </p:txBody>
       </p:sp>
+      <p:pic>
+        <p:nvPicPr>
+          <p:cNvPr id="11" name="Imagen 10">
+            <a:extLst>
+              <a:ext uri="{FF2B5EF4-FFF2-40B4-BE49-F238E27FC236}">
+                <a16:creationId xmlns:a16="http://schemas.microsoft.com/office/drawing/2014/main" id="{F0067A9D-08CA-4063-84C8-1CBDB72C56BF}"/>
+              </a:ext>
+            </a:extLst>
+          </p:cNvPr>
+          <p:cNvPicPr>
+            <a:picLocks noChangeAspect="1"/>
+          </p:cNvPicPr>
+          <p:nvPr/>
+        </p:nvPicPr>
+        <p:blipFill>
+          <a:blip r:embed="rId9">
+            <a:extLst>
+              <a:ext uri="{28A0092B-C50C-407E-A947-70E740481C1C}">
+                <a14:useLocalDpi xmlns:a14="http://schemas.microsoft.com/office/drawing/2010/main" val="0"/>
+              </a:ext>
+            </a:extLst>
+          </a:blip>
+          <a:stretch>
+            <a:fillRect/>
+          </a:stretch>
+        </p:blipFill>
+        <p:spPr>
+          <a:xfrm>
+            <a:off x="8006633" y="331020"/>
+            <a:ext cx="155644" cy="155644"/>
+          </a:xfrm>
+          <a:prstGeom prst="rect">
+            <a:avLst/>
+          </a:prstGeom>
+        </p:spPr>
+      </p:pic>
     </p:spTree>
     <p:extLst>
       <p:ext uri="{BB962C8B-B14F-4D97-AF65-F5344CB8AC3E}">
@@ -23180,6 +24008,42 @@
           </a:p>
         </p:txBody>
       </p:sp>
+      <p:pic>
+        <p:nvPicPr>
+          <p:cNvPr id="14" name="Imagen 13">
+            <a:extLst>
+              <a:ext uri="{FF2B5EF4-FFF2-40B4-BE49-F238E27FC236}">
+                <a16:creationId xmlns:a16="http://schemas.microsoft.com/office/drawing/2014/main" id="{CEE1EB6C-7332-460E-8D54-107CDA96ECF6}"/>
+              </a:ext>
+            </a:extLst>
+          </p:cNvPr>
+          <p:cNvPicPr>
+            <a:picLocks noChangeAspect="1"/>
+          </p:cNvPicPr>
+          <p:nvPr/>
+        </p:nvPicPr>
+        <p:blipFill>
+          <a:blip r:embed="rId11">
+            <a:extLst>
+              <a:ext uri="{28A0092B-C50C-407E-A947-70E740481C1C}">
+                <a14:useLocalDpi xmlns:a14="http://schemas.microsoft.com/office/drawing/2010/main" val="0"/>
+              </a:ext>
+            </a:extLst>
+          </a:blip>
+          <a:stretch>
+            <a:fillRect/>
+          </a:stretch>
+        </p:blipFill>
+        <p:spPr>
+          <a:xfrm>
+            <a:off x="8006633" y="331020"/>
+            <a:ext cx="155644" cy="155644"/>
+          </a:xfrm>
+          <a:prstGeom prst="rect">
+            <a:avLst/>
+          </a:prstGeom>
+        </p:spPr>
+      </p:pic>
     </p:spTree>
     <p:extLst>
       <p:ext uri="{BB962C8B-B14F-4D97-AF65-F5344CB8AC3E}">
@@ -23647,6 +24511,42 @@
           </a:p>
         </p:txBody>
       </p:sp>
+      <p:pic>
+        <p:nvPicPr>
+          <p:cNvPr id="12" name="Imagen 11">
+            <a:extLst>
+              <a:ext uri="{FF2B5EF4-FFF2-40B4-BE49-F238E27FC236}">
+                <a16:creationId xmlns:a16="http://schemas.microsoft.com/office/drawing/2014/main" id="{FD951107-367F-4CA6-9DA7-98F13613A34C}"/>
+              </a:ext>
+            </a:extLst>
+          </p:cNvPr>
+          <p:cNvPicPr>
+            <a:picLocks noChangeAspect="1"/>
+          </p:cNvPicPr>
+          <p:nvPr/>
+        </p:nvPicPr>
+        <p:blipFill>
+          <a:blip r:embed="rId9">
+            <a:extLst>
+              <a:ext uri="{28A0092B-C50C-407E-A947-70E740481C1C}">
+                <a14:useLocalDpi xmlns:a14="http://schemas.microsoft.com/office/drawing/2010/main" val="0"/>
+              </a:ext>
+            </a:extLst>
+          </a:blip>
+          <a:stretch>
+            <a:fillRect/>
+          </a:stretch>
+        </p:blipFill>
+        <p:spPr>
+          <a:xfrm>
+            <a:off x="8006633" y="331020"/>
+            <a:ext cx="155644" cy="155644"/>
+          </a:xfrm>
+          <a:prstGeom prst="rect">
+            <a:avLst/>
+          </a:prstGeom>
+        </p:spPr>
+      </p:pic>
     </p:spTree>
     <p:extLst>
       <p:ext uri="{BB962C8B-B14F-4D97-AF65-F5344CB8AC3E}">
@@ -24334,6 +25234,42 @@
           </a:p>
         </p:txBody>
       </p:sp>
+      <p:pic>
+        <p:nvPicPr>
+          <p:cNvPr id="15" name="Imagen 14">
+            <a:extLst>
+              <a:ext uri="{FF2B5EF4-FFF2-40B4-BE49-F238E27FC236}">
+                <a16:creationId xmlns:a16="http://schemas.microsoft.com/office/drawing/2014/main" id="{7FC0BFB2-7594-44FA-93BE-DBFF5A42B971}"/>
+              </a:ext>
+            </a:extLst>
+          </p:cNvPr>
+          <p:cNvPicPr>
+            <a:picLocks noChangeAspect="1"/>
+          </p:cNvPicPr>
+          <p:nvPr/>
+        </p:nvPicPr>
+        <p:blipFill>
+          <a:blip r:embed="rId14">
+            <a:extLst>
+              <a:ext uri="{28A0092B-C50C-407E-A947-70E740481C1C}">
+                <a14:useLocalDpi xmlns:a14="http://schemas.microsoft.com/office/drawing/2010/main" val="0"/>
+              </a:ext>
+            </a:extLst>
+          </a:blip>
+          <a:stretch>
+            <a:fillRect/>
+          </a:stretch>
+        </p:blipFill>
+        <p:spPr>
+          <a:xfrm>
+            <a:off x="8006633" y="331020"/>
+            <a:ext cx="155644" cy="155644"/>
+          </a:xfrm>
+          <a:prstGeom prst="rect">
+            <a:avLst/>
+          </a:prstGeom>
+        </p:spPr>
+      </p:pic>
     </p:spTree>
     <p:extLst>
       <p:ext uri="{BB962C8B-B14F-4D97-AF65-F5344CB8AC3E}">
@@ -25186,6 +26122,42 @@
           </a:p>
         </p:txBody>
       </p:sp>
+      <p:pic>
+        <p:nvPicPr>
+          <p:cNvPr id="18" name="Imagen 17">
+            <a:extLst>
+              <a:ext uri="{FF2B5EF4-FFF2-40B4-BE49-F238E27FC236}">
+                <a16:creationId xmlns:a16="http://schemas.microsoft.com/office/drawing/2014/main" id="{D27CD227-73D4-47F8-9FC9-BBF9565A9DF0}"/>
+              </a:ext>
+            </a:extLst>
+          </p:cNvPr>
+          <p:cNvPicPr>
+            <a:picLocks noChangeAspect="1"/>
+          </p:cNvPicPr>
+          <p:nvPr/>
+        </p:nvPicPr>
+        <p:blipFill>
+          <a:blip r:embed="rId16">
+            <a:extLst>
+              <a:ext uri="{28A0092B-C50C-407E-A947-70E740481C1C}">
+                <a14:useLocalDpi xmlns:a14="http://schemas.microsoft.com/office/drawing/2010/main" val="0"/>
+              </a:ext>
+            </a:extLst>
+          </a:blip>
+          <a:stretch>
+            <a:fillRect/>
+          </a:stretch>
+        </p:blipFill>
+        <p:spPr>
+          <a:xfrm>
+            <a:off x="8006633" y="331020"/>
+            <a:ext cx="155644" cy="155644"/>
+          </a:xfrm>
+          <a:prstGeom prst="rect">
+            <a:avLst/>
+          </a:prstGeom>
+        </p:spPr>
+      </p:pic>
     </p:spTree>
     <p:extLst>
       <p:ext uri="{BB962C8B-B14F-4D97-AF65-F5344CB8AC3E}">
@@ -26450,6 +27422,42 @@
           </a:p>
         </p:txBody>
       </p:sp>
+      <p:pic>
+        <p:nvPicPr>
+          <p:cNvPr id="15" name="Imagen 14">
+            <a:extLst>
+              <a:ext uri="{FF2B5EF4-FFF2-40B4-BE49-F238E27FC236}">
+                <a16:creationId xmlns:a16="http://schemas.microsoft.com/office/drawing/2014/main" id="{20840410-13B3-41E2-8837-23EC0315F4FF}"/>
+              </a:ext>
+            </a:extLst>
+          </p:cNvPr>
+          <p:cNvPicPr>
+            <a:picLocks noChangeAspect="1"/>
+          </p:cNvPicPr>
+          <p:nvPr/>
+        </p:nvPicPr>
+        <p:blipFill>
+          <a:blip r:embed="rId13">
+            <a:extLst>
+              <a:ext uri="{28A0092B-C50C-407E-A947-70E740481C1C}">
+                <a14:useLocalDpi xmlns:a14="http://schemas.microsoft.com/office/drawing/2010/main" val="0"/>
+              </a:ext>
+            </a:extLst>
+          </a:blip>
+          <a:stretch>
+            <a:fillRect/>
+          </a:stretch>
+        </p:blipFill>
+        <p:spPr>
+          <a:xfrm>
+            <a:off x="8006633" y="331020"/>
+            <a:ext cx="155644" cy="155644"/>
+          </a:xfrm>
+          <a:prstGeom prst="rect">
+            <a:avLst/>
+          </a:prstGeom>
+        </p:spPr>
+      </p:pic>
     </p:spTree>
     <p:extLst>
       <p:ext uri="{BB962C8B-B14F-4D97-AF65-F5344CB8AC3E}">
@@ -27137,6 +28145,42 @@
           </a:p>
         </p:txBody>
       </p:sp>
+      <p:pic>
+        <p:nvPicPr>
+          <p:cNvPr id="17" name="Imagen 16">
+            <a:extLst>
+              <a:ext uri="{FF2B5EF4-FFF2-40B4-BE49-F238E27FC236}">
+                <a16:creationId xmlns:a16="http://schemas.microsoft.com/office/drawing/2014/main" id="{43ABE4BA-890B-44F2-A74F-AF6253C6EDC9}"/>
+              </a:ext>
+            </a:extLst>
+          </p:cNvPr>
+          <p:cNvPicPr>
+            <a:picLocks noChangeAspect="1"/>
+          </p:cNvPicPr>
+          <p:nvPr/>
+        </p:nvPicPr>
+        <p:blipFill>
+          <a:blip r:embed="rId14">
+            <a:extLst>
+              <a:ext uri="{28A0092B-C50C-407E-A947-70E740481C1C}">
+                <a14:useLocalDpi xmlns:a14="http://schemas.microsoft.com/office/drawing/2010/main" val="0"/>
+              </a:ext>
+            </a:extLst>
+          </a:blip>
+          <a:stretch>
+            <a:fillRect/>
+          </a:stretch>
+        </p:blipFill>
+        <p:spPr>
+          <a:xfrm>
+            <a:off x="8006633" y="331020"/>
+            <a:ext cx="155644" cy="155644"/>
+          </a:xfrm>
+          <a:prstGeom prst="rect">
+            <a:avLst/>
+          </a:prstGeom>
+        </p:spPr>
+      </p:pic>
     </p:spTree>
     <p:extLst>
       <p:ext uri="{BB962C8B-B14F-4D97-AF65-F5344CB8AC3E}">
@@ -27824,6 +28868,42 @@
           </a:p>
         </p:txBody>
       </p:sp>
+      <p:pic>
+        <p:nvPicPr>
+          <p:cNvPr id="18" name="Imagen 17">
+            <a:extLst>
+              <a:ext uri="{FF2B5EF4-FFF2-40B4-BE49-F238E27FC236}">
+                <a16:creationId xmlns:a16="http://schemas.microsoft.com/office/drawing/2014/main" id="{EC4A8828-D8CF-4A9F-8D6B-E9F3002EDA93}"/>
+              </a:ext>
+            </a:extLst>
+          </p:cNvPr>
+          <p:cNvPicPr>
+            <a:picLocks noChangeAspect="1"/>
+          </p:cNvPicPr>
+          <p:nvPr/>
+        </p:nvPicPr>
+        <p:blipFill>
+          <a:blip r:embed="rId13">
+            <a:extLst>
+              <a:ext uri="{28A0092B-C50C-407E-A947-70E740481C1C}">
+                <a14:useLocalDpi xmlns:a14="http://schemas.microsoft.com/office/drawing/2010/main" val="0"/>
+              </a:ext>
+            </a:extLst>
+          </a:blip>
+          <a:stretch>
+            <a:fillRect/>
+          </a:stretch>
+        </p:blipFill>
+        <p:spPr>
+          <a:xfrm>
+            <a:off x="8006633" y="331020"/>
+            <a:ext cx="155644" cy="155644"/>
+          </a:xfrm>
+          <a:prstGeom prst="rect">
+            <a:avLst/>
+          </a:prstGeom>
+        </p:spPr>
+      </p:pic>
     </p:spTree>
     <p:extLst>
       <p:ext uri="{BB962C8B-B14F-4D97-AF65-F5344CB8AC3E}">
@@ -28291,6 +29371,42 @@
           </a:p>
         </p:txBody>
       </p:sp>
+      <p:pic>
+        <p:nvPicPr>
+          <p:cNvPr id="11" name="Imagen 10">
+            <a:extLst>
+              <a:ext uri="{FF2B5EF4-FFF2-40B4-BE49-F238E27FC236}">
+                <a16:creationId xmlns:a16="http://schemas.microsoft.com/office/drawing/2014/main" id="{BBD7BB29-159B-4940-B6E4-7F9F22795781}"/>
+              </a:ext>
+            </a:extLst>
+          </p:cNvPr>
+          <p:cNvPicPr>
+            <a:picLocks noChangeAspect="1"/>
+          </p:cNvPicPr>
+          <p:nvPr/>
+        </p:nvPicPr>
+        <p:blipFill>
+          <a:blip r:embed="rId10">
+            <a:extLst>
+              <a:ext uri="{28A0092B-C50C-407E-A947-70E740481C1C}">
+                <a14:useLocalDpi xmlns:a14="http://schemas.microsoft.com/office/drawing/2010/main" val="0"/>
+              </a:ext>
+            </a:extLst>
+          </a:blip>
+          <a:stretch>
+            <a:fillRect/>
+          </a:stretch>
+        </p:blipFill>
+        <p:spPr>
+          <a:xfrm>
+            <a:off x="8006633" y="331020"/>
+            <a:ext cx="155644" cy="155644"/>
+          </a:xfrm>
+          <a:prstGeom prst="rect">
+            <a:avLst/>
+          </a:prstGeom>
+        </p:spPr>
+      </p:pic>
     </p:spTree>
     <p:extLst>
       <p:ext uri="{BB962C8B-B14F-4D97-AF65-F5344CB8AC3E}">
@@ -28923,6 +30039,42 @@
           </a:p>
         </p:txBody>
       </p:sp>
+      <p:pic>
+        <p:nvPicPr>
+          <p:cNvPr id="14" name="Imagen 13">
+            <a:extLst>
+              <a:ext uri="{FF2B5EF4-FFF2-40B4-BE49-F238E27FC236}">
+                <a16:creationId xmlns:a16="http://schemas.microsoft.com/office/drawing/2014/main" id="{F462DB1A-9351-4874-ACDA-B6F3ADF68C7B}"/>
+              </a:ext>
+            </a:extLst>
+          </p:cNvPr>
+          <p:cNvPicPr>
+            <a:picLocks noChangeAspect="1"/>
+          </p:cNvPicPr>
+          <p:nvPr/>
+        </p:nvPicPr>
+        <p:blipFill>
+          <a:blip r:embed="rId12">
+            <a:extLst>
+              <a:ext uri="{28A0092B-C50C-407E-A947-70E740481C1C}">
+                <a14:useLocalDpi xmlns:a14="http://schemas.microsoft.com/office/drawing/2010/main" val="0"/>
+              </a:ext>
+            </a:extLst>
+          </a:blip>
+          <a:stretch>
+            <a:fillRect/>
+          </a:stretch>
+        </p:blipFill>
+        <p:spPr>
+          <a:xfrm>
+            <a:off x="8006633" y="331020"/>
+            <a:ext cx="155644" cy="155644"/>
+          </a:xfrm>
+          <a:prstGeom prst="rect">
+            <a:avLst/>
+          </a:prstGeom>
+        </p:spPr>
+      </p:pic>
     </p:spTree>
     <p:extLst>
       <p:ext uri="{BB962C8B-B14F-4D97-AF65-F5344CB8AC3E}">
@@ -29390,6 +30542,42 @@
           </a:p>
         </p:txBody>
       </p:sp>
+      <p:pic>
+        <p:nvPicPr>
+          <p:cNvPr id="11" name="Imagen 10">
+            <a:extLst>
+              <a:ext uri="{FF2B5EF4-FFF2-40B4-BE49-F238E27FC236}">
+                <a16:creationId xmlns:a16="http://schemas.microsoft.com/office/drawing/2014/main" id="{82F2EF47-AF04-4521-8F1B-8750BDA57C63}"/>
+              </a:ext>
+            </a:extLst>
+          </p:cNvPr>
+          <p:cNvPicPr>
+            <a:picLocks noChangeAspect="1"/>
+          </p:cNvPicPr>
+          <p:nvPr/>
+        </p:nvPicPr>
+        <p:blipFill>
+          <a:blip r:embed="rId9">
+            <a:extLst>
+              <a:ext uri="{28A0092B-C50C-407E-A947-70E740481C1C}">
+                <a14:useLocalDpi xmlns:a14="http://schemas.microsoft.com/office/drawing/2010/main" val="0"/>
+              </a:ext>
+            </a:extLst>
+          </a:blip>
+          <a:stretch>
+            <a:fillRect/>
+          </a:stretch>
+        </p:blipFill>
+        <p:spPr>
+          <a:xfrm>
+            <a:off x="8006633" y="331020"/>
+            <a:ext cx="155644" cy="155644"/>
+          </a:xfrm>
+          <a:prstGeom prst="rect">
+            <a:avLst/>
+          </a:prstGeom>
+        </p:spPr>
+      </p:pic>
     </p:spTree>
     <p:extLst>
       <p:ext uri="{BB962C8B-B14F-4D97-AF65-F5344CB8AC3E}">
@@ -29802,6 +30990,42 @@
           </a:p>
         </p:txBody>
       </p:sp>
+      <p:pic>
+        <p:nvPicPr>
+          <p:cNvPr id="10" name="Imagen 9">
+            <a:extLst>
+              <a:ext uri="{FF2B5EF4-FFF2-40B4-BE49-F238E27FC236}">
+                <a16:creationId xmlns:a16="http://schemas.microsoft.com/office/drawing/2014/main" id="{8E1B88D5-183F-40D3-AC64-D7A9DA7A6A87}"/>
+              </a:ext>
+            </a:extLst>
+          </p:cNvPr>
+          <p:cNvPicPr>
+            <a:picLocks noChangeAspect="1"/>
+          </p:cNvPicPr>
+          <p:nvPr/>
+        </p:nvPicPr>
+        <p:blipFill>
+          <a:blip r:embed="rId8">
+            <a:extLst>
+              <a:ext uri="{28A0092B-C50C-407E-A947-70E740481C1C}">
+                <a14:useLocalDpi xmlns:a14="http://schemas.microsoft.com/office/drawing/2010/main" val="0"/>
+              </a:ext>
+            </a:extLst>
+          </a:blip>
+          <a:stretch>
+            <a:fillRect/>
+          </a:stretch>
+        </p:blipFill>
+        <p:spPr>
+          <a:xfrm>
+            <a:off x="8006633" y="331020"/>
+            <a:ext cx="155644" cy="155644"/>
+          </a:xfrm>
+          <a:prstGeom prst="rect">
+            <a:avLst/>
+          </a:prstGeom>
+        </p:spPr>
+      </p:pic>
     </p:spTree>
     <p:extLst>
       <p:ext uri="{BB962C8B-B14F-4D97-AF65-F5344CB8AC3E}">
@@ -30269,6 +31493,42 @@
           </a:p>
         </p:txBody>
       </p:sp>
+      <p:pic>
+        <p:nvPicPr>
+          <p:cNvPr id="12" name="Imagen 11">
+            <a:extLst>
+              <a:ext uri="{FF2B5EF4-FFF2-40B4-BE49-F238E27FC236}">
+                <a16:creationId xmlns:a16="http://schemas.microsoft.com/office/drawing/2014/main" id="{B479523E-2C44-4A56-A5E5-746CF308D108}"/>
+              </a:ext>
+            </a:extLst>
+          </p:cNvPr>
+          <p:cNvPicPr>
+            <a:picLocks noChangeAspect="1"/>
+          </p:cNvPicPr>
+          <p:nvPr/>
+        </p:nvPicPr>
+        <p:blipFill>
+          <a:blip r:embed="rId8">
+            <a:extLst>
+              <a:ext uri="{28A0092B-C50C-407E-A947-70E740481C1C}">
+                <a14:useLocalDpi xmlns:a14="http://schemas.microsoft.com/office/drawing/2010/main" val="0"/>
+              </a:ext>
+            </a:extLst>
+          </a:blip>
+          <a:stretch>
+            <a:fillRect/>
+          </a:stretch>
+        </p:blipFill>
+        <p:spPr>
+          <a:xfrm>
+            <a:off x="8006633" y="331020"/>
+            <a:ext cx="155644" cy="155644"/>
+          </a:xfrm>
+          <a:prstGeom prst="rect">
+            <a:avLst/>
+          </a:prstGeom>
+        </p:spPr>
+      </p:pic>
     </p:spTree>
     <p:extLst>
       <p:ext uri="{BB962C8B-B14F-4D97-AF65-F5344CB8AC3E}">
@@ -30736,6 +31996,42 @@
           </a:p>
         </p:txBody>
       </p:sp>
+      <p:pic>
+        <p:nvPicPr>
+          <p:cNvPr id="11" name="Imagen 10">
+            <a:extLst>
+              <a:ext uri="{FF2B5EF4-FFF2-40B4-BE49-F238E27FC236}">
+                <a16:creationId xmlns:a16="http://schemas.microsoft.com/office/drawing/2014/main" id="{6D2EC6FC-7BB6-4294-B382-4E43261B592B}"/>
+              </a:ext>
+            </a:extLst>
+          </p:cNvPr>
+          <p:cNvPicPr>
+            <a:picLocks noChangeAspect="1"/>
+          </p:cNvPicPr>
+          <p:nvPr/>
+        </p:nvPicPr>
+        <p:blipFill>
+          <a:blip r:embed="rId9">
+            <a:extLst>
+              <a:ext uri="{28A0092B-C50C-407E-A947-70E740481C1C}">
+                <a14:useLocalDpi xmlns:a14="http://schemas.microsoft.com/office/drawing/2010/main" val="0"/>
+              </a:ext>
+            </a:extLst>
+          </a:blip>
+          <a:stretch>
+            <a:fillRect/>
+          </a:stretch>
+        </p:blipFill>
+        <p:spPr>
+          <a:xfrm>
+            <a:off x="8006633" y="331020"/>
+            <a:ext cx="155644" cy="155644"/>
+          </a:xfrm>
+          <a:prstGeom prst="rect">
+            <a:avLst/>
+          </a:prstGeom>
+        </p:spPr>
+      </p:pic>
     </p:spTree>
     <p:extLst>
       <p:ext uri="{BB962C8B-B14F-4D97-AF65-F5344CB8AC3E}">
@@ -31203,6 +32499,42 @@
           </a:p>
         </p:txBody>
       </p:sp>
+      <p:pic>
+        <p:nvPicPr>
+          <p:cNvPr id="11" name="Imagen 10">
+            <a:extLst>
+              <a:ext uri="{FF2B5EF4-FFF2-40B4-BE49-F238E27FC236}">
+                <a16:creationId xmlns:a16="http://schemas.microsoft.com/office/drawing/2014/main" id="{AD166CEE-411F-47AD-88E7-A81F978DDC4D}"/>
+              </a:ext>
+            </a:extLst>
+          </p:cNvPr>
+          <p:cNvPicPr>
+            <a:picLocks noChangeAspect="1"/>
+          </p:cNvPicPr>
+          <p:nvPr/>
+        </p:nvPicPr>
+        <p:blipFill>
+          <a:blip r:embed="rId9">
+            <a:extLst>
+              <a:ext uri="{28A0092B-C50C-407E-A947-70E740481C1C}">
+                <a14:useLocalDpi xmlns:a14="http://schemas.microsoft.com/office/drawing/2010/main" val="0"/>
+              </a:ext>
+            </a:extLst>
+          </a:blip>
+          <a:stretch>
+            <a:fillRect/>
+          </a:stretch>
+        </p:blipFill>
+        <p:spPr>
+          <a:xfrm>
+            <a:off x="8006633" y="331020"/>
+            <a:ext cx="155644" cy="155644"/>
+          </a:xfrm>
+          <a:prstGeom prst="rect">
+            <a:avLst/>
+          </a:prstGeom>
+        </p:spPr>
+      </p:pic>
     </p:spTree>
     <p:extLst>
       <p:ext uri="{BB962C8B-B14F-4D97-AF65-F5344CB8AC3E}">
@@ -32412,6 +33744,42 @@
           </a:p>
         </p:txBody>
       </p:sp>
+      <p:pic>
+        <p:nvPicPr>
+          <p:cNvPr id="14" name="Imagen 13">
+            <a:extLst>
+              <a:ext uri="{FF2B5EF4-FFF2-40B4-BE49-F238E27FC236}">
+                <a16:creationId xmlns:a16="http://schemas.microsoft.com/office/drawing/2014/main" id="{3089C615-8F39-44A5-B783-204AAC278C97}"/>
+              </a:ext>
+            </a:extLst>
+          </p:cNvPr>
+          <p:cNvPicPr>
+            <a:picLocks noChangeAspect="1"/>
+          </p:cNvPicPr>
+          <p:nvPr/>
+        </p:nvPicPr>
+        <p:blipFill>
+          <a:blip r:embed="rId12">
+            <a:extLst>
+              <a:ext uri="{28A0092B-C50C-407E-A947-70E740481C1C}">
+                <a14:useLocalDpi xmlns:a14="http://schemas.microsoft.com/office/drawing/2010/main" val="0"/>
+              </a:ext>
+            </a:extLst>
+          </a:blip>
+          <a:stretch>
+            <a:fillRect/>
+          </a:stretch>
+        </p:blipFill>
+        <p:spPr>
+          <a:xfrm>
+            <a:off x="8006633" y="331020"/>
+            <a:ext cx="155644" cy="155644"/>
+          </a:xfrm>
+          <a:prstGeom prst="rect">
+            <a:avLst/>
+          </a:prstGeom>
+        </p:spPr>
+      </p:pic>
     </p:spTree>
     <p:extLst>
       <p:ext uri="{BB962C8B-B14F-4D97-AF65-F5344CB8AC3E}">
@@ -32879,6 +34247,42 @@
           </a:p>
         </p:txBody>
       </p:sp>
+      <p:pic>
+        <p:nvPicPr>
+          <p:cNvPr id="12" name="Imagen 11">
+            <a:extLst>
+              <a:ext uri="{FF2B5EF4-FFF2-40B4-BE49-F238E27FC236}">
+                <a16:creationId xmlns:a16="http://schemas.microsoft.com/office/drawing/2014/main" id="{86FEEA12-68A9-412F-8ABD-42C8001CCF2C}"/>
+              </a:ext>
+            </a:extLst>
+          </p:cNvPr>
+          <p:cNvPicPr>
+            <a:picLocks noChangeAspect="1"/>
+          </p:cNvPicPr>
+          <p:nvPr/>
+        </p:nvPicPr>
+        <p:blipFill>
+          <a:blip r:embed="rId9">
+            <a:extLst>
+              <a:ext uri="{28A0092B-C50C-407E-A947-70E740481C1C}">
+                <a14:useLocalDpi xmlns:a14="http://schemas.microsoft.com/office/drawing/2010/main" val="0"/>
+              </a:ext>
+            </a:extLst>
+          </a:blip>
+          <a:stretch>
+            <a:fillRect/>
+          </a:stretch>
+        </p:blipFill>
+        <p:spPr>
+          <a:xfrm>
+            <a:off x="8006633" y="331020"/>
+            <a:ext cx="155644" cy="155644"/>
+          </a:xfrm>
+          <a:prstGeom prst="rect">
+            <a:avLst/>
+          </a:prstGeom>
+        </p:spPr>
+      </p:pic>
     </p:spTree>
     <p:extLst>
       <p:ext uri="{BB962C8B-B14F-4D97-AF65-F5344CB8AC3E}">
@@ -33291,6 +34695,42 @@
           </a:p>
         </p:txBody>
       </p:sp>
+      <p:pic>
+        <p:nvPicPr>
+          <p:cNvPr id="10" name="Imagen 9">
+            <a:extLst>
+              <a:ext uri="{FF2B5EF4-FFF2-40B4-BE49-F238E27FC236}">
+                <a16:creationId xmlns:a16="http://schemas.microsoft.com/office/drawing/2014/main" id="{54CA1CC8-F3F2-4A83-90C6-B921CEE79066}"/>
+              </a:ext>
+            </a:extLst>
+          </p:cNvPr>
+          <p:cNvPicPr>
+            <a:picLocks noChangeAspect="1"/>
+          </p:cNvPicPr>
+          <p:nvPr/>
+        </p:nvPicPr>
+        <p:blipFill>
+          <a:blip r:embed="rId8">
+            <a:extLst>
+              <a:ext uri="{28A0092B-C50C-407E-A947-70E740481C1C}">
+                <a14:useLocalDpi xmlns:a14="http://schemas.microsoft.com/office/drawing/2010/main" val="0"/>
+              </a:ext>
+            </a:extLst>
+          </a:blip>
+          <a:stretch>
+            <a:fillRect/>
+          </a:stretch>
+        </p:blipFill>
+        <p:spPr>
+          <a:xfrm>
+            <a:off x="8006633" y="331020"/>
+            <a:ext cx="155644" cy="155644"/>
+          </a:xfrm>
+          <a:prstGeom prst="rect">
+            <a:avLst/>
+          </a:prstGeom>
+        </p:spPr>
+      </p:pic>
     </p:spTree>
     <p:extLst>
       <p:ext uri="{BB962C8B-B14F-4D97-AF65-F5344CB8AC3E}">
@@ -33978,6 +35418,42 @@
           </a:p>
         </p:txBody>
       </p:sp>
+      <p:pic>
+        <p:nvPicPr>
+          <p:cNvPr id="15" name="Imagen 14">
+            <a:extLst>
+              <a:ext uri="{FF2B5EF4-FFF2-40B4-BE49-F238E27FC236}">
+                <a16:creationId xmlns:a16="http://schemas.microsoft.com/office/drawing/2014/main" id="{E79CE2D2-FFFF-409F-8BBB-081A406E001D}"/>
+              </a:ext>
+            </a:extLst>
+          </p:cNvPr>
+          <p:cNvPicPr>
+            <a:picLocks noChangeAspect="1"/>
+          </p:cNvPicPr>
+          <p:nvPr/>
+        </p:nvPicPr>
+        <p:blipFill>
+          <a:blip r:embed="rId14">
+            <a:extLst>
+              <a:ext uri="{28A0092B-C50C-407E-A947-70E740481C1C}">
+                <a14:useLocalDpi xmlns:a14="http://schemas.microsoft.com/office/drawing/2010/main" val="0"/>
+              </a:ext>
+            </a:extLst>
+          </a:blip>
+          <a:stretch>
+            <a:fillRect/>
+          </a:stretch>
+        </p:blipFill>
+        <p:spPr>
+          <a:xfrm>
+            <a:off x="8006633" y="331020"/>
+            <a:ext cx="155644" cy="155644"/>
+          </a:xfrm>
+          <a:prstGeom prst="rect">
+            <a:avLst/>
+          </a:prstGeom>
+        </p:spPr>
+      </p:pic>
     </p:spTree>
     <p:extLst>
       <p:ext uri="{BB962C8B-B14F-4D97-AF65-F5344CB8AC3E}">
@@ -34657,6 +36133,42 @@
           </a:p>
         </p:txBody>
       </p:sp>
+      <p:pic>
+        <p:nvPicPr>
+          <p:cNvPr id="15" name="Imagen 14">
+            <a:extLst>
+              <a:ext uri="{FF2B5EF4-FFF2-40B4-BE49-F238E27FC236}">
+                <a16:creationId xmlns:a16="http://schemas.microsoft.com/office/drawing/2014/main" id="{5BDE1774-9AC2-41B9-B2E1-2AC8ACE8756C}"/>
+              </a:ext>
+            </a:extLst>
+          </p:cNvPr>
+          <p:cNvPicPr>
+            <a:picLocks noChangeAspect="1"/>
+          </p:cNvPicPr>
+          <p:nvPr/>
+        </p:nvPicPr>
+        <p:blipFill>
+          <a:blip r:embed="rId14">
+            <a:extLst>
+              <a:ext uri="{28A0092B-C50C-407E-A947-70E740481C1C}">
+                <a14:useLocalDpi xmlns:a14="http://schemas.microsoft.com/office/drawing/2010/main" val="0"/>
+              </a:ext>
+            </a:extLst>
+          </a:blip>
+          <a:stretch>
+            <a:fillRect/>
+          </a:stretch>
+        </p:blipFill>
+        <p:spPr>
+          <a:xfrm>
+            <a:off x="8006633" y="331020"/>
+            <a:ext cx="155644" cy="155644"/>
+          </a:xfrm>
+          <a:prstGeom prst="rect">
+            <a:avLst/>
+          </a:prstGeom>
+        </p:spPr>
+      </p:pic>
     </p:spTree>
     <p:extLst>
       <p:ext uri="{BB962C8B-B14F-4D97-AF65-F5344CB8AC3E}">
@@ -35336,6 +36848,42 @@
           </a:p>
         </p:txBody>
       </p:sp>
+      <p:pic>
+        <p:nvPicPr>
+          <p:cNvPr id="15" name="Imagen 14">
+            <a:extLst>
+              <a:ext uri="{FF2B5EF4-FFF2-40B4-BE49-F238E27FC236}">
+                <a16:creationId xmlns:a16="http://schemas.microsoft.com/office/drawing/2014/main" id="{31BBA003-46D9-47B7-82E4-FE356B928E25}"/>
+              </a:ext>
+            </a:extLst>
+          </p:cNvPr>
+          <p:cNvPicPr>
+            <a:picLocks noChangeAspect="1"/>
+          </p:cNvPicPr>
+          <p:nvPr/>
+        </p:nvPicPr>
+        <p:blipFill>
+          <a:blip r:embed="rId14">
+            <a:extLst>
+              <a:ext uri="{28A0092B-C50C-407E-A947-70E740481C1C}">
+                <a14:useLocalDpi xmlns:a14="http://schemas.microsoft.com/office/drawing/2010/main" val="0"/>
+              </a:ext>
+            </a:extLst>
+          </a:blip>
+          <a:stretch>
+            <a:fillRect/>
+          </a:stretch>
+        </p:blipFill>
+        <p:spPr>
+          <a:xfrm>
+            <a:off x="8006633" y="331020"/>
+            <a:ext cx="155644" cy="155644"/>
+          </a:xfrm>
+          <a:prstGeom prst="rect">
+            <a:avLst/>
+          </a:prstGeom>
+        </p:spPr>
+      </p:pic>
     </p:spTree>
     <p:extLst>
       <p:ext uri="{BB962C8B-B14F-4D97-AF65-F5344CB8AC3E}">
@@ -36015,6 +37563,42 @@
           </a:p>
         </p:txBody>
       </p:sp>
+      <p:pic>
+        <p:nvPicPr>
+          <p:cNvPr id="15" name="Imagen 14">
+            <a:extLst>
+              <a:ext uri="{FF2B5EF4-FFF2-40B4-BE49-F238E27FC236}">
+                <a16:creationId xmlns:a16="http://schemas.microsoft.com/office/drawing/2014/main" id="{8C7A9A91-F9CD-45B0-BD6C-BB4B2596BCAC}"/>
+              </a:ext>
+            </a:extLst>
+          </p:cNvPr>
+          <p:cNvPicPr>
+            <a:picLocks noChangeAspect="1"/>
+          </p:cNvPicPr>
+          <p:nvPr/>
+        </p:nvPicPr>
+        <p:blipFill>
+          <a:blip r:embed="rId14">
+            <a:extLst>
+              <a:ext uri="{28A0092B-C50C-407E-A947-70E740481C1C}">
+                <a14:useLocalDpi xmlns:a14="http://schemas.microsoft.com/office/drawing/2010/main" val="0"/>
+              </a:ext>
+            </a:extLst>
+          </a:blip>
+          <a:stretch>
+            <a:fillRect/>
+          </a:stretch>
+        </p:blipFill>
+        <p:spPr>
+          <a:xfrm>
+            <a:off x="8006633" y="331020"/>
+            <a:ext cx="155644" cy="155644"/>
+          </a:xfrm>
+          <a:prstGeom prst="rect">
+            <a:avLst/>
+          </a:prstGeom>
+        </p:spPr>
+      </p:pic>
     </p:spTree>
     <p:extLst>
       <p:ext uri="{BB962C8B-B14F-4D97-AF65-F5344CB8AC3E}">

--- a/iso 2.0.pptx
+++ b/iso 2.0.pptx
@@ -5802,6 +5802,66 @@
           </a:prstGeom>
         </p:spPr>
       </p:pic>
+      <p:sp>
+        <p:nvSpPr>
+          <p:cNvPr id="2" name="Elipse 1">
+            <a:hlinkClick r:id="rId11" action="ppaction://hlinksldjump"/>
+            <a:extLst>
+              <a:ext uri="{FF2B5EF4-FFF2-40B4-BE49-F238E27FC236}">
+                <a16:creationId xmlns:a16="http://schemas.microsoft.com/office/drawing/2014/main" id="{BA7EF4B8-600E-4BD1-AC1D-6DBC132BC28D}"/>
+              </a:ext>
+            </a:extLst>
+          </p:cNvPr>
+          <p:cNvSpPr/>
+          <p:nvPr/>
+        </p:nvSpPr>
+        <p:spPr>
+          <a:xfrm>
+            <a:off x="8006633" y="331020"/>
+            <a:ext cx="155644" cy="139192"/>
+          </a:xfrm>
+          <a:prstGeom prst="ellipse">
+            <a:avLst/>
+          </a:prstGeom>
+          <a:solidFill>
+            <a:schemeClr val="accent1">
+              <a:alpha val="0"/>
+            </a:schemeClr>
+          </a:solidFill>
+          <a:ln>
+            <a:solidFill>
+              <a:schemeClr val="accent1">
+                <a:shade val="50000"/>
+                <a:alpha val="0"/>
+              </a:schemeClr>
+            </a:solidFill>
+          </a:ln>
+        </p:spPr>
+        <p:style>
+          <a:lnRef idx="2">
+            <a:schemeClr val="accent1">
+              <a:shade val="50000"/>
+            </a:schemeClr>
+          </a:lnRef>
+          <a:fillRef idx="1">
+            <a:schemeClr val="accent1"/>
+          </a:fillRef>
+          <a:effectRef idx="0">
+            <a:schemeClr val="accent1"/>
+          </a:effectRef>
+          <a:fontRef idx="minor">
+            <a:schemeClr val="lt1"/>
+          </a:fontRef>
+        </p:style>
+        <p:txBody>
+          <a:bodyPr rtlCol="0" anchor="ctr"/>
+          <a:lstStyle/>
+          <a:p>
+            <a:pPr algn="ctr"/>
+            <a:endParaRPr lang="es-ES" dirty="0"/>
+          </a:p>
+        </p:txBody>
+      </p:sp>
     </p:spTree>
     <p:extLst>
       <p:ext uri="{BB962C8B-B14F-4D97-AF65-F5344CB8AC3E}">
@@ -6415,6 +6475,66 @@
           </a:prstGeom>
         </p:spPr>
       </p:pic>
+      <p:sp>
+        <p:nvSpPr>
+          <p:cNvPr id="15" name="Elipse 14">
+            <a:hlinkClick r:id="rId9" action="ppaction://hlinksldjump"/>
+            <a:extLst>
+              <a:ext uri="{FF2B5EF4-FFF2-40B4-BE49-F238E27FC236}">
+                <a16:creationId xmlns:a16="http://schemas.microsoft.com/office/drawing/2014/main" id="{DCD76CA9-0732-4019-B9EF-4D80E234406C}"/>
+              </a:ext>
+            </a:extLst>
+          </p:cNvPr>
+          <p:cNvSpPr/>
+          <p:nvPr/>
+        </p:nvSpPr>
+        <p:spPr>
+          <a:xfrm>
+            <a:off x="8006633" y="331020"/>
+            <a:ext cx="155644" cy="139192"/>
+          </a:xfrm>
+          <a:prstGeom prst="ellipse">
+            <a:avLst/>
+          </a:prstGeom>
+          <a:solidFill>
+            <a:schemeClr val="accent1">
+              <a:alpha val="0"/>
+            </a:schemeClr>
+          </a:solidFill>
+          <a:ln>
+            <a:solidFill>
+              <a:schemeClr val="accent1">
+                <a:shade val="50000"/>
+                <a:alpha val="0"/>
+              </a:schemeClr>
+            </a:solidFill>
+          </a:ln>
+        </p:spPr>
+        <p:style>
+          <a:lnRef idx="2">
+            <a:schemeClr val="accent1">
+              <a:shade val="50000"/>
+            </a:schemeClr>
+          </a:lnRef>
+          <a:fillRef idx="1">
+            <a:schemeClr val="accent1"/>
+          </a:fillRef>
+          <a:effectRef idx="0">
+            <a:schemeClr val="accent1"/>
+          </a:effectRef>
+          <a:fontRef idx="minor">
+            <a:schemeClr val="lt1"/>
+          </a:fontRef>
+        </p:style>
+        <p:txBody>
+          <a:bodyPr rtlCol="0" anchor="ctr"/>
+          <a:lstStyle/>
+          <a:p>
+            <a:pPr algn="ctr"/>
+            <a:endParaRPr lang="es-ES" dirty="0"/>
+          </a:p>
+        </p:txBody>
+      </p:sp>
     </p:spTree>
     <p:extLst>
       <p:ext uri="{BB962C8B-B14F-4D97-AF65-F5344CB8AC3E}">
@@ -7028,6 +7148,66 @@
           </a:prstGeom>
         </p:spPr>
       </p:pic>
+      <p:sp>
+        <p:nvSpPr>
+          <p:cNvPr id="15" name="Elipse 14">
+            <a:hlinkClick r:id="rId10" action="ppaction://hlinksldjump"/>
+            <a:extLst>
+              <a:ext uri="{FF2B5EF4-FFF2-40B4-BE49-F238E27FC236}">
+                <a16:creationId xmlns:a16="http://schemas.microsoft.com/office/drawing/2014/main" id="{1EEE7759-5480-4333-8093-28055E8A41DE}"/>
+              </a:ext>
+            </a:extLst>
+          </p:cNvPr>
+          <p:cNvSpPr/>
+          <p:nvPr/>
+        </p:nvSpPr>
+        <p:spPr>
+          <a:xfrm>
+            <a:off x="8006633" y="331020"/>
+            <a:ext cx="155644" cy="139192"/>
+          </a:xfrm>
+          <a:prstGeom prst="ellipse">
+            <a:avLst/>
+          </a:prstGeom>
+          <a:solidFill>
+            <a:schemeClr val="accent1">
+              <a:alpha val="0"/>
+            </a:schemeClr>
+          </a:solidFill>
+          <a:ln>
+            <a:solidFill>
+              <a:schemeClr val="accent1">
+                <a:shade val="50000"/>
+                <a:alpha val="0"/>
+              </a:schemeClr>
+            </a:solidFill>
+          </a:ln>
+        </p:spPr>
+        <p:style>
+          <a:lnRef idx="2">
+            <a:schemeClr val="accent1">
+              <a:shade val="50000"/>
+            </a:schemeClr>
+          </a:lnRef>
+          <a:fillRef idx="1">
+            <a:schemeClr val="accent1"/>
+          </a:fillRef>
+          <a:effectRef idx="0">
+            <a:schemeClr val="accent1"/>
+          </a:effectRef>
+          <a:fontRef idx="minor">
+            <a:schemeClr val="lt1"/>
+          </a:fontRef>
+        </p:style>
+        <p:txBody>
+          <a:bodyPr rtlCol="0" anchor="ctr"/>
+          <a:lstStyle/>
+          <a:p>
+            <a:pPr algn="ctr"/>
+            <a:endParaRPr lang="es-ES" dirty="0"/>
+          </a:p>
+        </p:txBody>
+      </p:sp>
     </p:spTree>
     <p:extLst>
       <p:ext uri="{BB962C8B-B14F-4D97-AF65-F5344CB8AC3E}">
@@ -7916,6 +8096,66 @@
           </a:prstGeom>
         </p:spPr>
       </p:pic>
+      <p:sp>
+        <p:nvSpPr>
+          <p:cNvPr id="20" name="Elipse 19">
+            <a:hlinkClick r:id="rId13" action="ppaction://hlinksldjump"/>
+            <a:extLst>
+              <a:ext uri="{FF2B5EF4-FFF2-40B4-BE49-F238E27FC236}">
+                <a16:creationId xmlns:a16="http://schemas.microsoft.com/office/drawing/2014/main" id="{24077B05-B56D-42D0-8290-0808A1A22B91}"/>
+              </a:ext>
+            </a:extLst>
+          </p:cNvPr>
+          <p:cNvSpPr/>
+          <p:nvPr/>
+        </p:nvSpPr>
+        <p:spPr>
+          <a:xfrm>
+            <a:off x="8006633" y="331020"/>
+            <a:ext cx="155644" cy="139192"/>
+          </a:xfrm>
+          <a:prstGeom prst="ellipse">
+            <a:avLst/>
+          </a:prstGeom>
+          <a:solidFill>
+            <a:schemeClr val="accent1">
+              <a:alpha val="0"/>
+            </a:schemeClr>
+          </a:solidFill>
+          <a:ln>
+            <a:solidFill>
+              <a:schemeClr val="accent1">
+                <a:shade val="50000"/>
+                <a:alpha val="0"/>
+              </a:schemeClr>
+            </a:solidFill>
+          </a:ln>
+        </p:spPr>
+        <p:style>
+          <a:lnRef idx="2">
+            <a:schemeClr val="accent1">
+              <a:shade val="50000"/>
+            </a:schemeClr>
+          </a:lnRef>
+          <a:fillRef idx="1">
+            <a:schemeClr val="accent1"/>
+          </a:fillRef>
+          <a:effectRef idx="0">
+            <a:schemeClr val="accent1"/>
+          </a:effectRef>
+          <a:fontRef idx="minor">
+            <a:schemeClr val="lt1"/>
+          </a:fontRef>
+        </p:style>
+        <p:txBody>
+          <a:bodyPr rtlCol="0" anchor="ctr"/>
+          <a:lstStyle/>
+          <a:p>
+            <a:pPr algn="ctr"/>
+            <a:endParaRPr lang="es-ES" dirty="0"/>
+          </a:p>
+        </p:txBody>
+      </p:sp>
     </p:spTree>
     <p:extLst>
       <p:ext uri="{BB962C8B-B14F-4D97-AF65-F5344CB8AC3E}">
@@ -8584,6 +8824,66 @@
           </a:prstGeom>
         </p:spPr>
       </p:pic>
+      <p:sp>
+        <p:nvSpPr>
+          <p:cNvPr id="15" name="Elipse 14">
+            <a:hlinkClick r:id="rId10" action="ppaction://hlinksldjump"/>
+            <a:extLst>
+              <a:ext uri="{FF2B5EF4-FFF2-40B4-BE49-F238E27FC236}">
+                <a16:creationId xmlns:a16="http://schemas.microsoft.com/office/drawing/2014/main" id="{540F12BD-F7C2-49B8-B33B-DFA8EB4EA4BC}"/>
+              </a:ext>
+            </a:extLst>
+          </p:cNvPr>
+          <p:cNvSpPr/>
+          <p:nvPr/>
+        </p:nvSpPr>
+        <p:spPr>
+          <a:xfrm>
+            <a:off x="8006633" y="331020"/>
+            <a:ext cx="155644" cy="139192"/>
+          </a:xfrm>
+          <a:prstGeom prst="ellipse">
+            <a:avLst/>
+          </a:prstGeom>
+          <a:solidFill>
+            <a:schemeClr val="accent1">
+              <a:alpha val="0"/>
+            </a:schemeClr>
+          </a:solidFill>
+          <a:ln>
+            <a:solidFill>
+              <a:schemeClr val="accent1">
+                <a:shade val="50000"/>
+                <a:alpha val="0"/>
+              </a:schemeClr>
+            </a:solidFill>
+          </a:ln>
+        </p:spPr>
+        <p:style>
+          <a:lnRef idx="2">
+            <a:schemeClr val="accent1">
+              <a:shade val="50000"/>
+            </a:schemeClr>
+          </a:lnRef>
+          <a:fillRef idx="1">
+            <a:schemeClr val="accent1"/>
+          </a:fillRef>
+          <a:effectRef idx="0">
+            <a:schemeClr val="accent1"/>
+          </a:effectRef>
+          <a:fontRef idx="minor">
+            <a:schemeClr val="lt1"/>
+          </a:fontRef>
+        </p:style>
+        <p:txBody>
+          <a:bodyPr rtlCol="0" anchor="ctr"/>
+          <a:lstStyle/>
+          <a:p>
+            <a:pPr algn="ctr"/>
+            <a:endParaRPr lang="es-ES" dirty="0"/>
+          </a:p>
+        </p:txBody>
+      </p:sp>
     </p:spTree>
     <p:extLst>
       <p:ext uri="{BB962C8B-B14F-4D97-AF65-F5344CB8AC3E}">
@@ -9197,6 +9497,66 @@
           </a:prstGeom>
         </p:spPr>
       </p:pic>
+      <p:sp>
+        <p:nvSpPr>
+          <p:cNvPr id="14" name="Elipse 13">
+            <a:hlinkClick r:id="rId12" action="ppaction://hlinksldjump"/>
+            <a:extLst>
+              <a:ext uri="{FF2B5EF4-FFF2-40B4-BE49-F238E27FC236}">
+                <a16:creationId xmlns:a16="http://schemas.microsoft.com/office/drawing/2014/main" id="{A00B85F7-18F2-47EF-ACA7-9D0A90E8CCEF}"/>
+              </a:ext>
+            </a:extLst>
+          </p:cNvPr>
+          <p:cNvSpPr/>
+          <p:nvPr/>
+        </p:nvSpPr>
+        <p:spPr>
+          <a:xfrm>
+            <a:off x="8006633" y="331020"/>
+            <a:ext cx="155644" cy="139192"/>
+          </a:xfrm>
+          <a:prstGeom prst="ellipse">
+            <a:avLst/>
+          </a:prstGeom>
+          <a:solidFill>
+            <a:schemeClr val="accent1">
+              <a:alpha val="0"/>
+            </a:schemeClr>
+          </a:solidFill>
+          <a:ln>
+            <a:solidFill>
+              <a:schemeClr val="accent1">
+                <a:shade val="50000"/>
+                <a:alpha val="0"/>
+              </a:schemeClr>
+            </a:solidFill>
+          </a:ln>
+        </p:spPr>
+        <p:style>
+          <a:lnRef idx="2">
+            <a:schemeClr val="accent1">
+              <a:shade val="50000"/>
+            </a:schemeClr>
+          </a:lnRef>
+          <a:fillRef idx="1">
+            <a:schemeClr val="accent1"/>
+          </a:fillRef>
+          <a:effectRef idx="0">
+            <a:schemeClr val="accent1"/>
+          </a:effectRef>
+          <a:fontRef idx="minor">
+            <a:schemeClr val="lt1"/>
+          </a:fontRef>
+        </p:style>
+        <p:txBody>
+          <a:bodyPr rtlCol="0" anchor="ctr"/>
+          <a:lstStyle/>
+          <a:p>
+            <a:pPr algn="ctr"/>
+            <a:endParaRPr lang="es-ES" dirty="0"/>
+          </a:p>
+        </p:txBody>
+      </p:sp>
     </p:spTree>
     <p:extLst>
       <p:ext uri="{BB962C8B-B14F-4D97-AF65-F5344CB8AC3E}">
@@ -9802,6 +10162,66 @@
           </a:prstGeom>
         </p:spPr>
       </p:pic>
+      <p:sp>
+        <p:nvSpPr>
+          <p:cNvPr id="14" name="Elipse 13">
+            <a:hlinkClick r:id="rId10" action="ppaction://hlinksldjump"/>
+            <a:extLst>
+              <a:ext uri="{FF2B5EF4-FFF2-40B4-BE49-F238E27FC236}">
+                <a16:creationId xmlns:a16="http://schemas.microsoft.com/office/drawing/2014/main" id="{FB430352-C76C-412F-A9EA-9FEF9C108066}"/>
+              </a:ext>
+            </a:extLst>
+          </p:cNvPr>
+          <p:cNvSpPr/>
+          <p:nvPr/>
+        </p:nvSpPr>
+        <p:spPr>
+          <a:xfrm>
+            <a:off x="8006633" y="331020"/>
+            <a:ext cx="155644" cy="139192"/>
+          </a:xfrm>
+          <a:prstGeom prst="ellipse">
+            <a:avLst/>
+          </a:prstGeom>
+          <a:solidFill>
+            <a:schemeClr val="accent1">
+              <a:alpha val="0"/>
+            </a:schemeClr>
+          </a:solidFill>
+          <a:ln>
+            <a:solidFill>
+              <a:schemeClr val="accent1">
+                <a:shade val="50000"/>
+                <a:alpha val="0"/>
+              </a:schemeClr>
+            </a:solidFill>
+          </a:ln>
+        </p:spPr>
+        <p:style>
+          <a:lnRef idx="2">
+            <a:schemeClr val="accent1">
+              <a:shade val="50000"/>
+            </a:schemeClr>
+          </a:lnRef>
+          <a:fillRef idx="1">
+            <a:schemeClr val="accent1"/>
+          </a:fillRef>
+          <a:effectRef idx="0">
+            <a:schemeClr val="accent1"/>
+          </a:effectRef>
+          <a:fontRef idx="minor">
+            <a:schemeClr val="lt1"/>
+          </a:fontRef>
+        </p:style>
+        <p:txBody>
+          <a:bodyPr rtlCol="0" anchor="ctr"/>
+          <a:lstStyle/>
+          <a:p>
+            <a:pPr algn="ctr"/>
+            <a:endParaRPr lang="es-ES" dirty="0"/>
+          </a:p>
+        </p:txBody>
+      </p:sp>
     </p:spTree>
     <p:extLst>
       <p:ext uri="{BB962C8B-B14F-4D97-AF65-F5344CB8AC3E}">
@@ -10470,6 +10890,66 @@
           </a:prstGeom>
         </p:spPr>
       </p:pic>
+      <p:sp>
+        <p:nvSpPr>
+          <p:cNvPr id="15" name="Elipse 14">
+            <a:hlinkClick r:id="rId10" action="ppaction://hlinksldjump"/>
+            <a:extLst>
+              <a:ext uri="{FF2B5EF4-FFF2-40B4-BE49-F238E27FC236}">
+                <a16:creationId xmlns:a16="http://schemas.microsoft.com/office/drawing/2014/main" id="{3E8C78CE-DBEF-4953-BB5D-C647E6510EBD}"/>
+              </a:ext>
+            </a:extLst>
+          </p:cNvPr>
+          <p:cNvSpPr/>
+          <p:nvPr/>
+        </p:nvSpPr>
+        <p:spPr>
+          <a:xfrm>
+            <a:off x="8006633" y="331020"/>
+            <a:ext cx="155644" cy="139192"/>
+          </a:xfrm>
+          <a:prstGeom prst="ellipse">
+            <a:avLst/>
+          </a:prstGeom>
+          <a:solidFill>
+            <a:schemeClr val="accent1">
+              <a:alpha val="0"/>
+            </a:schemeClr>
+          </a:solidFill>
+          <a:ln>
+            <a:solidFill>
+              <a:schemeClr val="accent1">
+                <a:shade val="50000"/>
+                <a:alpha val="0"/>
+              </a:schemeClr>
+            </a:solidFill>
+          </a:ln>
+        </p:spPr>
+        <p:style>
+          <a:lnRef idx="2">
+            <a:schemeClr val="accent1">
+              <a:shade val="50000"/>
+            </a:schemeClr>
+          </a:lnRef>
+          <a:fillRef idx="1">
+            <a:schemeClr val="accent1"/>
+          </a:fillRef>
+          <a:effectRef idx="0">
+            <a:schemeClr val="accent1"/>
+          </a:effectRef>
+          <a:fontRef idx="minor">
+            <a:schemeClr val="lt1"/>
+          </a:fontRef>
+        </p:style>
+        <p:txBody>
+          <a:bodyPr rtlCol="0" anchor="ctr"/>
+          <a:lstStyle/>
+          <a:p>
+            <a:pPr algn="ctr"/>
+            <a:endParaRPr lang="es-ES" dirty="0"/>
+          </a:p>
+        </p:txBody>
+      </p:sp>
     </p:spTree>
     <p:extLst>
       <p:ext uri="{BB962C8B-B14F-4D97-AF65-F5344CB8AC3E}">
@@ -12045,6 +12525,66 @@
           </a:prstGeom>
         </p:spPr>
       </p:pic>
+      <p:sp>
+        <p:nvSpPr>
+          <p:cNvPr id="20" name="Elipse 19">
+            <a:hlinkClick r:id="rId14" action="ppaction://hlinksldjump"/>
+            <a:extLst>
+              <a:ext uri="{FF2B5EF4-FFF2-40B4-BE49-F238E27FC236}">
+                <a16:creationId xmlns:a16="http://schemas.microsoft.com/office/drawing/2014/main" id="{6B621884-DC5C-4E92-851B-EF7B9D9CE0C2}"/>
+              </a:ext>
+            </a:extLst>
+          </p:cNvPr>
+          <p:cNvSpPr/>
+          <p:nvPr/>
+        </p:nvSpPr>
+        <p:spPr>
+          <a:xfrm>
+            <a:off x="8006633" y="331020"/>
+            <a:ext cx="155644" cy="139192"/>
+          </a:xfrm>
+          <a:prstGeom prst="ellipse">
+            <a:avLst/>
+          </a:prstGeom>
+          <a:solidFill>
+            <a:schemeClr val="accent1">
+              <a:alpha val="0"/>
+            </a:schemeClr>
+          </a:solidFill>
+          <a:ln>
+            <a:solidFill>
+              <a:schemeClr val="accent1">
+                <a:shade val="50000"/>
+                <a:alpha val="0"/>
+              </a:schemeClr>
+            </a:solidFill>
+          </a:ln>
+        </p:spPr>
+        <p:style>
+          <a:lnRef idx="2">
+            <a:schemeClr val="accent1">
+              <a:shade val="50000"/>
+            </a:schemeClr>
+          </a:lnRef>
+          <a:fillRef idx="1">
+            <a:schemeClr val="accent1"/>
+          </a:fillRef>
+          <a:effectRef idx="0">
+            <a:schemeClr val="accent1"/>
+          </a:effectRef>
+          <a:fontRef idx="minor">
+            <a:schemeClr val="lt1"/>
+          </a:fontRef>
+        </p:style>
+        <p:txBody>
+          <a:bodyPr rtlCol="0" anchor="ctr"/>
+          <a:lstStyle/>
+          <a:p>
+            <a:pPr algn="ctr"/>
+            <a:endParaRPr lang="es-ES" dirty="0"/>
+          </a:p>
+        </p:txBody>
+      </p:sp>
     </p:spTree>
     <p:extLst>
       <p:ext uri="{BB962C8B-B14F-4D97-AF65-F5344CB8AC3E}">
@@ -12658,6 +13198,66 @@
           </a:prstGeom>
         </p:spPr>
       </p:pic>
+      <p:sp>
+        <p:nvSpPr>
+          <p:cNvPr id="16" name="Elipse 15">
+            <a:hlinkClick r:id="rId10" action="ppaction://hlinksldjump"/>
+            <a:extLst>
+              <a:ext uri="{FF2B5EF4-FFF2-40B4-BE49-F238E27FC236}">
+                <a16:creationId xmlns:a16="http://schemas.microsoft.com/office/drawing/2014/main" id="{883F9379-B413-40DC-AC75-94907552725F}"/>
+              </a:ext>
+            </a:extLst>
+          </p:cNvPr>
+          <p:cNvSpPr/>
+          <p:nvPr/>
+        </p:nvSpPr>
+        <p:spPr>
+          <a:xfrm>
+            <a:off x="8006633" y="331020"/>
+            <a:ext cx="155644" cy="139192"/>
+          </a:xfrm>
+          <a:prstGeom prst="ellipse">
+            <a:avLst/>
+          </a:prstGeom>
+          <a:solidFill>
+            <a:schemeClr val="accent1">
+              <a:alpha val="0"/>
+            </a:schemeClr>
+          </a:solidFill>
+          <a:ln>
+            <a:solidFill>
+              <a:schemeClr val="accent1">
+                <a:shade val="50000"/>
+                <a:alpha val="0"/>
+              </a:schemeClr>
+            </a:solidFill>
+          </a:ln>
+        </p:spPr>
+        <p:style>
+          <a:lnRef idx="2">
+            <a:schemeClr val="accent1">
+              <a:shade val="50000"/>
+            </a:schemeClr>
+          </a:lnRef>
+          <a:fillRef idx="1">
+            <a:schemeClr val="accent1"/>
+          </a:fillRef>
+          <a:effectRef idx="0">
+            <a:schemeClr val="accent1"/>
+          </a:effectRef>
+          <a:fontRef idx="minor">
+            <a:schemeClr val="lt1"/>
+          </a:fontRef>
+        </p:style>
+        <p:txBody>
+          <a:bodyPr rtlCol="0" anchor="ctr"/>
+          <a:lstStyle/>
+          <a:p>
+            <a:pPr algn="ctr"/>
+            <a:endParaRPr lang="es-ES" dirty="0"/>
+          </a:p>
+        </p:txBody>
+      </p:sp>
     </p:spTree>
     <p:extLst>
       <p:ext uri="{BB962C8B-B14F-4D97-AF65-F5344CB8AC3E}">
@@ -13381,6 +13981,66 @@
           </a:prstGeom>
         </p:spPr>
       </p:pic>
+      <p:sp>
+        <p:nvSpPr>
+          <p:cNvPr id="16" name="Elipse 15">
+            <a:hlinkClick r:id="rId11" action="ppaction://hlinksldjump"/>
+            <a:extLst>
+              <a:ext uri="{FF2B5EF4-FFF2-40B4-BE49-F238E27FC236}">
+                <a16:creationId xmlns:a16="http://schemas.microsoft.com/office/drawing/2014/main" id="{A9AB8F1C-9074-43B1-A570-DB5AE219C93C}"/>
+              </a:ext>
+            </a:extLst>
+          </p:cNvPr>
+          <p:cNvSpPr/>
+          <p:nvPr/>
+        </p:nvSpPr>
+        <p:spPr>
+          <a:xfrm>
+            <a:off x="8006633" y="331020"/>
+            <a:ext cx="155644" cy="139192"/>
+          </a:xfrm>
+          <a:prstGeom prst="ellipse">
+            <a:avLst/>
+          </a:prstGeom>
+          <a:solidFill>
+            <a:schemeClr val="accent1">
+              <a:alpha val="0"/>
+            </a:schemeClr>
+          </a:solidFill>
+          <a:ln>
+            <a:solidFill>
+              <a:schemeClr val="accent1">
+                <a:shade val="50000"/>
+                <a:alpha val="0"/>
+              </a:schemeClr>
+            </a:solidFill>
+          </a:ln>
+        </p:spPr>
+        <p:style>
+          <a:lnRef idx="2">
+            <a:schemeClr val="accent1">
+              <a:shade val="50000"/>
+            </a:schemeClr>
+          </a:lnRef>
+          <a:fillRef idx="1">
+            <a:schemeClr val="accent1"/>
+          </a:fillRef>
+          <a:effectRef idx="0">
+            <a:schemeClr val="accent1"/>
+          </a:effectRef>
+          <a:fontRef idx="minor">
+            <a:schemeClr val="lt1"/>
+          </a:fontRef>
+        </p:style>
+        <p:txBody>
+          <a:bodyPr rtlCol="0" anchor="ctr"/>
+          <a:lstStyle/>
+          <a:p>
+            <a:pPr algn="ctr"/>
+            <a:endParaRPr lang="es-ES" dirty="0"/>
+          </a:p>
+        </p:txBody>
+      </p:sp>
     </p:spTree>
     <p:extLst>
       <p:ext uri="{BB962C8B-B14F-4D97-AF65-F5344CB8AC3E}">
@@ -13939,6 +14599,66 @@
           </a:prstGeom>
         </p:spPr>
       </p:pic>
+      <p:sp>
+        <p:nvSpPr>
+          <p:cNvPr id="13" name="Elipse 12">
+            <a:hlinkClick r:id="rId11" action="ppaction://hlinksldjump"/>
+            <a:extLst>
+              <a:ext uri="{FF2B5EF4-FFF2-40B4-BE49-F238E27FC236}">
+                <a16:creationId xmlns:a16="http://schemas.microsoft.com/office/drawing/2014/main" id="{EA1699EA-C822-41F2-9401-2EEE3BCE0E18}"/>
+              </a:ext>
+            </a:extLst>
+          </p:cNvPr>
+          <p:cNvSpPr/>
+          <p:nvPr/>
+        </p:nvSpPr>
+        <p:spPr>
+          <a:xfrm>
+            <a:off x="8006633" y="331020"/>
+            <a:ext cx="155644" cy="139192"/>
+          </a:xfrm>
+          <a:prstGeom prst="ellipse">
+            <a:avLst/>
+          </a:prstGeom>
+          <a:solidFill>
+            <a:schemeClr val="accent1">
+              <a:alpha val="0"/>
+            </a:schemeClr>
+          </a:solidFill>
+          <a:ln>
+            <a:solidFill>
+              <a:schemeClr val="accent1">
+                <a:shade val="50000"/>
+                <a:alpha val="0"/>
+              </a:schemeClr>
+            </a:solidFill>
+          </a:ln>
+        </p:spPr>
+        <p:style>
+          <a:lnRef idx="2">
+            <a:schemeClr val="accent1">
+              <a:shade val="50000"/>
+            </a:schemeClr>
+          </a:lnRef>
+          <a:fillRef idx="1">
+            <a:schemeClr val="accent1"/>
+          </a:fillRef>
+          <a:effectRef idx="0">
+            <a:schemeClr val="accent1"/>
+          </a:effectRef>
+          <a:fontRef idx="minor">
+            <a:schemeClr val="lt1"/>
+          </a:fontRef>
+        </p:style>
+        <p:txBody>
+          <a:bodyPr rtlCol="0" anchor="ctr"/>
+          <a:lstStyle/>
+          <a:p>
+            <a:pPr algn="ctr"/>
+            <a:endParaRPr lang="es-ES" dirty="0"/>
+          </a:p>
+        </p:txBody>
+      </p:sp>
     </p:spTree>
     <p:extLst>
       <p:ext uri="{BB962C8B-B14F-4D97-AF65-F5344CB8AC3E}">
@@ -14497,6 +15217,66 @@
           </a:prstGeom>
         </p:spPr>
       </p:pic>
+      <p:sp>
+        <p:nvSpPr>
+          <p:cNvPr id="14" name="Elipse 13">
+            <a:hlinkClick r:id="rId9" action="ppaction://hlinksldjump"/>
+            <a:extLst>
+              <a:ext uri="{FF2B5EF4-FFF2-40B4-BE49-F238E27FC236}">
+                <a16:creationId xmlns:a16="http://schemas.microsoft.com/office/drawing/2014/main" id="{6C98E197-CA7A-4EC5-82A3-9B5D2DF46FB3}"/>
+              </a:ext>
+            </a:extLst>
+          </p:cNvPr>
+          <p:cNvSpPr/>
+          <p:nvPr/>
+        </p:nvSpPr>
+        <p:spPr>
+          <a:xfrm>
+            <a:off x="8006633" y="331020"/>
+            <a:ext cx="155644" cy="139192"/>
+          </a:xfrm>
+          <a:prstGeom prst="ellipse">
+            <a:avLst/>
+          </a:prstGeom>
+          <a:solidFill>
+            <a:schemeClr val="accent1">
+              <a:alpha val="0"/>
+            </a:schemeClr>
+          </a:solidFill>
+          <a:ln>
+            <a:solidFill>
+              <a:schemeClr val="accent1">
+                <a:shade val="50000"/>
+                <a:alpha val="0"/>
+              </a:schemeClr>
+            </a:solidFill>
+          </a:ln>
+        </p:spPr>
+        <p:style>
+          <a:lnRef idx="2">
+            <a:schemeClr val="accent1">
+              <a:shade val="50000"/>
+            </a:schemeClr>
+          </a:lnRef>
+          <a:fillRef idx="1">
+            <a:schemeClr val="accent1"/>
+          </a:fillRef>
+          <a:effectRef idx="0">
+            <a:schemeClr val="accent1"/>
+          </a:effectRef>
+          <a:fontRef idx="minor">
+            <a:schemeClr val="lt1"/>
+          </a:fontRef>
+        </p:style>
+        <p:txBody>
+          <a:bodyPr rtlCol="0" anchor="ctr"/>
+          <a:lstStyle/>
+          <a:p>
+            <a:pPr algn="ctr"/>
+            <a:endParaRPr lang="es-ES" dirty="0"/>
+          </a:p>
+        </p:txBody>
+      </p:sp>
     </p:spTree>
     <p:extLst>
       <p:ext uri="{BB962C8B-B14F-4D97-AF65-F5344CB8AC3E}">
@@ -15055,6 +15835,66 @@
           </a:prstGeom>
         </p:spPr>
       </p:pic>
+      <p:sp>
+        <p:nvSpPr>
+          <p:cNvPr id="13" name="Elipse 12">
+            <a:hlinkClick r:id="rId9" action="ppaction://hlinksldjump"/>
+            <a:extLst>
+              <a:ext uri="{FF2B5EF4-FFF2-40B4-BE49-F238E27FC236}">
+                <a16:creationId xmlns:a16="http://schemas.microsoft.com/office/drawing/2014/main" id="{17BECEB6-3559-4795-8C84-4BB4848171DB}"/>
+              </a:ext>
+            </a:extLst>
+          </p:cNvPr>
+          <p:cNvSpPr/>
+          <p:nvPr/>
+        </p:nvSpPr>
+        <p:spPr>
+          <a:xfrm>
+            <a:off x="8006633" y="331020"/>
+            <a:ext cx="155644" cy="139192"/>
+          </a:xfrm>
+          <a:prstGeom prst="ellipse">
+            <a:avLst/>
+          </a:prstGeom>
+          <a:solidFill>
+            <a:schemeClr val="accent1">
+              <a:alpha val="0"/>
+            </a:schemeClr>
+          </a:solidFill>
+          <a:ln>
+            <a:solidFill>
+              <a:schemeClr val="accent1">
+                <a:shade val="50000"/>
+                <a:alpha val="0"/>
+              </a:schemeClr>
+            </a:solidFill>
+          </a:ln>
+        </p:spPr>
+        <p:style>
+          <a:lnRef idx="2">
+            <a:schemeClr val="accent1">
+              <a:shade val="50000"/>
+            </a:schemeClr>
+          </a:lnRef>
+          <a:fillRef idx="1">
+            <a:schemeClr val="accent1"/>
+          </a:fillRef>
+          <a:effectRef idx="0">
+            <a:schemeClr val="accent1"/>
+          </a:effectRef>
+          <a:fontRef idx="minor">
+            <a:schemeClr val="lt1"/>
+          </a:fontRef>
+        </p:style>
+        <p:txBody>
+          <a:bodyPr rtlCol="0" anchor="ctr"/>
+          <a:lstStyle/>
+          <a:p>
+            <a:pPr algn="ctr"/>
+            <a:endParaRPr lang="es-ES" dirty="0"/>
+          </a:p>
+        </p:txBody>
+      </p:sp>
     </p:spTree>
     <p:extLst>
       <p:ext uri="{BB962C8B-B14F-4D97-AF65-F5344CB8AC3E}">
@@ -15778,6 +16618,66 @@
           </a:prstGeom>
         </p:spPr>
       </p:pic>
+      <p:sp>
+        <p:nvSpPr>
+          <p:cNvPr id="16" name="Elipse 15">
+            <a:hlinkClick r:id="rId13" action="ppaction://hlinksldjump"/>
+            <a:extLst>
+              <a:ext uri="{FF2B5EF4-FFF2-40B4-BE49-F238E27FC236}">
+                <a16:creationId xmlns:a16="http://schemas.microsoft.com/office/drawing/2014/main" id="{47AB0628-D422-4F93-9284-56950B3BC9DA}"/>
+              </a:ext>
+            </a:extLst>
+          </p:cNvPr>
+          <p:cNvSpPr/>
+          <p:nvPr/>
+        </p:nvSpPr>
+        <p:spPr>
+          <a:xfrm>
+            <a:off x="8006633" y="331020"/>
+            <a:ext cx="155644" cy="139192"/>
+          </a:xfrm>
+          <a:prstGeom prst="ellipse">
+            <a:avLst/>
+          </a:prstGeom>
+          <a:solidFill>
+            <a:schemeClr val="accent1">
+              <a:alpha val="0"/>
+            </a:schemeClr>
+          </a:solidFill>
+          <a:ln>
+            <a:solidFill>
+              <a:schemeClr val="accent1">
+                <a:shade val="50000"/>
+                <a:alpha val="0"/>
+              </a:schemeClr>
+            </a:solidFill>
+          </a:ln>
+        </p:spPr>
+        <p:style>
+          <a:lnRef idx="2">
+            <a:schemeClr val="accent1">
+              <a:shade val="50000"/>
+            </a:schemeClr>
+          </a:lnRef>
+          <a:fillRef idx="1">
+            <a:schemeClr val="accent1"/>
+          </a:fillRef>
+          <a:effectRef idx="0">
+            <a:schemeClr val="accent1"/>
+          </a:effectRef>
+          <a:fontRef idx="minor">
+            <a:schemeClr val="lt1"/>
+          </a:fontRef>
+        </p:style>
+        <p:txBody>
+          <a:bodyPr rtlCol="0" anchor="ctr"/>
+          <a:lstStyle/>
+          <a:p>
+            <a:pPr algn="ctr"/>
+            <a:endParaRPr lang="es-ES" dirty="0"/>
+          </a:p>
+        </p:txBody>
+      </p:sp>
     </p:spTree>
     <p:extLst>
       <p:ext uri="{BB962C8B-B14F-4D97-AF65-F5344CB8AC3E}">
@@ -16355,6 +17255,66 @@
           </a:p>
         </p:txBody>
       </p:sp>
+      <p:sp>
+        <p:nvSpPr>
+          <p:cNvPr id="13" name="Elipse 12">
+            <a:hlinkClick r:id="rId9" action="ppaction://hlinksldjump"/>
+            <a:extLst>
+              <a:ext uri="{FF2B5EF4-FFF2-40B4-BE49-F238E27FC236}">
+                <a16:creationId xmlns:a16="http://schemas.microsoft.com/office/drawing/2014/main" id="{A4014817-BFC0-457C-896C-51C3C568D579}"/>
+              </a:ext>
+            </a:extLst>
+          </p:cNvPr>
+          <p:cNvSpPr/>
+          <p:nvPr/>
+        </p:nvSpPr>
+        <p:spPr>
+          <a:xfrm>
+            <a:off x="8006633" y="331020"/>
+            <a:ext cx="155644" cy="139192"/>
+          </a:xfrm>
+          <a:prstGeom prst="ellipse">
+            <a:avLst/>
+          </a:prstGeom>
+          <a:solidFill>
+            <a:schemeClr val="accent1">
+              <a:alpha val="0"/>
+            </a:schemeClr>
+          </a:solidFill>
+          <a:ln>
+            <a:solidFill>
+              <a:schemeClr val="accent1">
+                <a:shade val="50000"/>
+                <a:alpha val="0"/>
+              </a:schemeClr>
+            </a:solidFill>
+          </a:ln>
+        </p:spPr>
+        <p:style>
+          <a:lnRef idx="2">
+            <a:schemeClr val="accent1">
+              <a:shade val="50000"/>
+            </a:schemeClr>
+          </a:lnRef>
+          <a:fillRef idx="1">
+            <a:schemeClr val="accent1"/>
+          </a:fillRef>
+          <a:effectRef idx="0">
+            <a:schemeClr val="accent1"/>
+          </a:effectRef>
+          <a:fontRef idx="minor">
+            <a:schemeClr val="lt1"/>
+          </a:fontRef>
+        </p:style>
+        <p:txBody>
+          <a:bodyPr rtlCol="0" anchor="ctr"/>
+          <a:lstStyle/>
+          <a:p>
+            <a:pPr algn="ctr"/>
+            <a:endParaRPr lang="es-ES" dirty="0"/>
+          </a:p>
+        </p:txBody>
+      </p:sp>
     </p:spTree>
     <p:extLst>
       <p:ext uri="{BB962C8B-B14F-4D97-AF65-F5344CB8AC3E}">
@@ -17298,6 +18258,66 @@
           </a:prstGeom>
         </p:spPr>
       </p:pic>
+      <p:sp>
+        <p:nvSpPr>
+          <p:cNvPr id="20" name="Elipse 19">
+            <a:hlinkClick r:id="rId13" action="ppaction://hlinksldjump"/>
+            <a:extLst>
+              <a:ext uri="{FF2B5EF4-FFF2-40B4-BE49-F238E27FC236}">
+                <a16:creationId xmlns:a16="http://schemas.microsoft.com/office/drawing/2014/main" id="{90B3814D-1B09-41E0-995C-3BE63CD31C76}"/>
+              </a:ext>
+            </a:extLst>
+          </p:cNvPr>
+          <p:cNvSpPr/>
+          <p:nvPr/>
+        </p:nvSpPr>
+        <p:spPr>
+          <a:xfrm>
+            <a:off x="8006633" y="331020"/>
+            <a:ext cx="155644" cy="139192"/>
+          </a:xfrm>
+          <a:prstGeom prst="ellipse">
+            <a:avLst/>
+          </a:prstGeom>
+          <a:solidFill>
+            <a:schemeClr val="accent1">
+              <a:alpha val="0"/>
+            </a:schemeClr>
+          </a:solidFill>
+          <a:ln>
+            <a:solidFill>
+              <a:schemeClr val="accent1">
+                <a:shade val="50000"/>
+                <a:alpha val="0"/>
+              </a:schemeClr>
+            </a:solidFill>
+          </a:ln>
+        </p:spPr>
+        <p:style>
+          <a:lnRef idx="2">
+            <a:schemeClr val="accent1">
+              <a:shade val="50000"/>
+            </a:schemeClr>
+          </a:lnRef>
+          <a:fillRef idx="1">
+            <a:schemeClr val="accent1"/>
+          </a:fillRef>
+          <a:effectRef idx="0">
+            <a:schemeClr val="accent1"/>
+          </a:effectRef>
+          <a:fontRef idx="minor">
+            <a:schemeClr val="lt1"/>
+          </a:fontRef>
+        </p:style>
+        <p:txBody>
+          <a:bodyPr rtlCol="0" anchor="ctr"/>
+          <a:lstStyle/>
+          <a:p>
+            <a:pPr algn="ctr"/>
+            <a:endParaRPr lang="es-ES" dirty="0"/>
+          </a:p>
+        </p:txBody>
+      </p:sp>
     </p:spTree>
     <p:extLst>
       <p:ext uri="{BB962C8B-B14F-4D97-AF65-F5344CB8AC3E}">
@@ -18186,6 +19206,66 @@
           </a:prstGeom>
         </p:spPr>
       </p:pic>
+      <p:sp>
+        <p:nvSpPr>
+          <p:cNvPr id="19" name="Elipse 18">
+            <a:hlinkClick r:id="rId12" action="ppaction://hlinksldjump"/>
+            <a:extLst>
+              <a:ext uri="{FF2B5EF4-FFF2-40B4-BE49-F238E27FC236}">
+                <a16:creationId xmlns:a16="http://schemas.microsoft.com/office/drawing/2014/main" id="{97485768-8C87-40FC-A9F5-3519CB8F7722}"/>
+              </a:ext>
+            </a:extLst>
+          </p:cNvPr>
+          <p:cNvSpPr/>
+          <p:nvPr/>
+        </p:nvSpPr>
+        <p:spPr>
+          <a:xfrm>
+            <a:off x="8006633" y="331020"/>
+            <a:ext cx="155644" cy="139192"/>
+          </a:xfrm>
+          <a:prstGeom prst="ellipse">
+            <a:avLst/>
+          </a:prstGeom>
+          <a:solidFill>
+            <a:schemeClr val="accent1">
+              <a:alpha val="0"/>
+            </a:schemeClr>
+          </a:solidFill>
+          <a:ln>
+            <a:solidFill>
+              <a:schemeClr val="accent1">
+                <a:shade val="50000"/>
+                <a:alpha val="0"/>
+              </a:schemeClr>
+            </a:solidFill>
+          </a:ln>
+        </p:spPr>
+        <p:style>
+          <a:lnRef idx="2">
+            <a:schemeClr val="accent1">
+              <a:shade val="50000"/>
+            </a:schemeClr>
+          </a:lnRef>
+          <a:fillRef idx="1">
+            <a:schemeClr val="accent1"/>
+          </a:fillRef>
+          <a:effectRef idx="0">
+            <a:schemeClr val="accent1"/>
+          </a:effectRef>
+          <a:fontRef idx="minor">
+            <a:schemeClr val="lt1"/>
+          </a:fontRef>
+        </p:style>
+        <p:txBody>
+          <a:bodyPr rtlCol="0" anchor="ctr"/>
+          <a:lstStyle/>
+          <a:p>
+            <a:pPr algn="ctr"/>
+            <a:endParaRPr lang="es-ES" dirty="0"/>
+          </a:p>
+        </p:txBody>
+      </p:sp>
     </p:spTree>
     <p:extLst>
       <p:ext uri="{BB962C8B-B14F-4D97-AF65-F5344CB8AC3E}">
@@ -19816,6 +20896,66 @@
           </a:prstGeom>
         </p:spPr>
       </p:pic>
+      <p:sp>
+        <p:nvSpPr>
+          <p:cNvPr id="21" name="Elipse 20">
+            <a:hlinkClick r:id="rId13" action="ppaction://hlinksldjump"/>
+            <a:extLst>
+              <a:ext uri="{FF2B5EF4-FFF2-40B4-BE49-F238E27FC236}">
+                <a16:creationId xmlns:a16="http://schemas.microsoft.com/office/drawing/2014/main" id="{027151FA-1708-4151-AFA1-5D4FB9ED9AC3}"/>
+              </a:ext>
+            </a:extLst>
+          </p:cNvPr>
+          <p:cNvSpPr/>
+          <p:nvPr/>
+        </p:nvSpPr>
+        <p:spPr>
+          <a:xfrm>
+            <a:off x="8006633" y="331020"/>
+            <a:ext cx="155644" cy="139192"/>
+          </a:xfrm>
+          <a:prstGeom prst="ellipse">
+            <a:avLst/>
+          </a:prstGeom>
+          <a:solidFill>
+            <a:schemeClr val="accent1">
+              <a:alpha val="0"/>
+            </a:schemeClr>
+          </a:solidFill>
+          <a:ln>
+            <a:solidFill>
+              <a:schemeClr val="accent1">
+                <a:shade val="50000"/>
+                <a:alpha val="0"/>
+              </a:schemeClr>
+            </a:solidFill>
+          </a:ln>
+        </p:spPr>
+        <p:style>
+          <a:lnRef idx="2">
+            <a:schemeClr val="accent1">
+              <a:shade val="50000"/>
+            </a:schemeClr>
+          </a:lnRef>
+          <a:fillRef idx="1">
+            <a:schemeClr val="accent1"/>
+          </a:fillRef>
+          <a:effectRef idx="0">
+            <a:schemeClr val="accent1"/>
+          </a:effectRef>
+          <a:fontRef idx="minor">
+            <a:schemeClr val="lt1"/>
+          </a:fontRef>
+        </p:style>
+        <p:txBody>
+          <a:bodyPr rtlCol="0" anchor="ctr"/>
+          <a:lstStyle/>
+          <a:p>
+            <a:pPr algn="ctr"/>
+            <a:endParaRPr lang="es-ES" dirty="0"/>
+          </a:p>
+        </p:txBody>
+      </p:sp>
     </p:spTree>
     <p:extLst>
       <p:ext uri="{BB962C8B-B14F-4D97-AF65-F5344CB8AC3E}">
@@ -20924,6 +22064,66 @@
           </a:prstGeom>
         </p:spPr>
       </p:pic>
+      <p:sp>
+        <p:nvSpPr>
+          <p:cNvPr id="23" name="Elipse 22">
+            <a:hlinkClick r:id="rId15" action="ppaction://hlinksldjump"/>
+            <a:extLst>
+              <a:ext uri="{FF2B5EF4-FFF2-40B4-BE49-F238E27FC236}">
+                <a16:creationId xmlns:a16="http://schemas.microsoft.com/office/drawing/2014/main" id="{7936EDB0-A795-40AB-A3E3-1E79C56D5896}"/>
+              </a:ext>
+            </a:extLst>
+          </p:cNvPr>
+          <p:cNvSpPr/>
+          <p:nvPr/>
+        </p:nvSpPr>
+        <p:spPr>
+          <a:xfrm>
+            <a:off x="8006633" y="331020"/>
+            <a:ext cx="155644" cy="139192"/>
+          </a:xfrm>
+          <a:prstGeom prst="ellipse">
+            <a:avLst/>
+          </a:prstGeom>
+          <a:solidFill>
+            <a:schemeClr val="accent1">
+              <a:alpha val="0"/>
+            </a:schemeClr>
+          </a:solidFill>
+          <a:ln>
+            <a:solidFill>
+              <a:schemeClr val="accent1">
+                <a:shade val="50000"/>
+                <a:alpha val="0"/>
+              </a:schemeClr>
+            </a:solidFill>
+          </a:ln>
+        </p:spPr>
+        <p:style>
+          <a:lnRef idx="2">
+            <a:schemeClr val="accent1">
+              <a:shade val="50000"/>
+            </a:schemeClr>
+          </a:lnRef>
+          <a:fillRef idx="1">
+            <a:schemeClr val="accent1"/>
+          </a:fillRef>
+          <a:effectRef idx="0">
+            <a:schemeClr val="accent1"/>
+          </a:effectRef>
+          <a:fontRef idx="minor">
+            <a:schemeClr val="lt1"/>
+          </a:fontRef>
+        </p:style>
+        <p:txBody>
+          <a:bodyPr rtlCol="0" anchor="ctr"/>
+          <a:lstStyle/>
+          <a:p>
+            <a:pPr algn="ctr"/>
+            <a:endParaRPr lang="es-ES" dirty="0"/>
+          </a:p>
+        </p:txBody>
+      </p:sp>
     </p:spTree>
     <p:extLst>
       <p:ext uri="{BB962C8B-B14F-4D97-AF65-F5344CB8AC3E}">
@@ -21867,6 +23067,66 @@
           </a:prstGeom>
         </p:spPr>
       </p:pic>
+      <p:sp>
+        <p:nvSpPr>
+          <p:cNvPr id="21" name="Elipse 20">
+            <a:hlinkClick r:id="rId12" action="ppaction://hlinksldjump"/>
+            <a:extLst>
+              <a:ext uri="{FF2B5EF4-FFF2-40B4-BE49-F238E27FC236}">
+                <a16:creationId xmlns:a16="http://schemas.microsoft.com/office/drawing/2014/main" id="{2069AD74-98DA-40E8-8580-FE047F75AEDC}"/>
+              </a:ext>
+            </a:extLst>
+          </p:cNvPr>
+          <p:cNvSpPr/>
+          <p:nvPr/>
+        </p:nvSpPr>
+        <p:spPr>
+          <a:xfrm>
+            <a:off x="8006633" y="331020"/>
+            <a:ext cx="155644" cy="139192"/>
+          </a:xfrm>
+          <a:prstGeom prst="ellipse">
+            <a:avLst/>
+          </a:prstGeom>
+          <a:solidFill>
+            <a:schemeClr val="accent1">
+              <a:alpha val="0"/>
+            </a:schemeClr>
+          </a:solidFill>
+          <a:ln>
+            <a:solidFill>
+              <a:schemeClr val="accent1">
+                <a:shade val="50000"/>
+                <a:alpha val="0"/>
+              </a:schemeClr>
+            </a:solidFill>
+          </a:ln>
+        </p:spPr>
+        <p:style>
+          <a:lnRef idx="2">
+            <a:schemeClr val="accent1">
+              <a:shade val="50000"/>
+            </a:schemeClr>
+          </a:lnRef>
+          <a:fillRef idx="1">
+            <a:schemeClr val="accent1"/>
+          </a:fillRef>
+          <a:effectRef idx="0">
+            <a:schemeClr val="accent1"/>
+          </a:effectRef>
+          <a:fontRef idx="minor">
+            <a:schemeClr val="lt1"/>
+          </a:fontRef>
+        </p:style>
+        <p:txBody>
+          <a:bodyPr rtlCol="0" anchor="ctr"/>
+          <a:lstStyle/>
+          <a:p>
+            <a:pPr algn="ctr"/>
+            <a:endParaRPr lang="es-ES" dirty="0"/>
+          </a:p>
+        </p:txBody>
+      </p:sp>
     </p:spTree>
     <p:extLst>
       <p:ext uri="{BB962C8B-B14F-4D97-AF65-F5344CB8AC3E}">
@@ -22370,6 +23630,66 @@
           </a:prstGeom>
         </p:spPr>
       </p:pic>
+      <p:sp>
+        <p:nvSpPr>
+          <p:cNvPr id="12" name="Elipse 11">
+            <a:hlinkClick r:id="rId10" action="ppaction://hlinksldjump"/>
+            <a:extLst>
+              <a:ext uri="{FF2B5EF4-FFF2-40B4-BE49-F238E27FC236}">
+                <a16:creationId xmlns:a16="http://schemas.microsoft.com/office/drawing/2014/main" id="{DE51E261-9D7B-47EB-AB27-7FBA88D10C29}"/>
+              </a:ext>
+            </a:extLst>
+          </p:cNvPr>
+          <p:cNvSpPr/>
+          <p:nvPr/>
+        </p:nvSpPr>
+        <p:spPr>
+          <a:xfrm>
+            <a:off x="8006633" y="331020"/>
+            <a:ext cx="155644" cy="139192"/>
+          </a:xfrm>
+          <a:prstGeom prst="ellipse">
+            <a:avLst/>
+          </a:prstGeom>
+          <a:solidFill>
+            <a:schemeClr val="accent1">
+              <a:alpha val="0"/>
+            </a:schemeClr>
+          </a:solidFill>
+          <a:ln>
+            <a:solidFill>
+              <a:schemeClr val="accent1">
+                <a:shade val="50000"/>
+                <a:alpha val="0"/>
+              </a:schemeClr>
+            </a:solidFill>
+          </a:ln>
+        </p:spPr>
+        <p:style>
+          <a:lnRef idx="2">
+            <a:schemeClr val="accent1">
+              <a:shade val="50000"/>
+            </a:schemeClr>
+          </a:lnRef>
+          <a:fillRef idx="1">
+            <a:schemeClr val="accent1"/>
+          </a:fillRef>
+          <a:effectRef idx="0">
+            <a:schemeClr val="accent1"/>
+          </a:effectRef>
+          <a:fontRef idx="minor">
+            <a:schemeClr val="lt1"/>
+          </a:fontRef>
+        </p:style>
+        <p:txBody>
+          <a:bodyPr rtlCol="0" anchor="ctr"/>
+          <a:lstStyle/>
+          <a:p>
+            <a:pPr algn="ctr"/>
+            <a:endParaRPr lang="es-ES" dirty="0"/>
+          </a:p>
+        </p:txBody>
+      </p:sp>
     </p:spTree>
     <p:extLst>
       <p:ext uri="{BB962C8B-B14F-4D97-AF65-F5344CB8AC3E}">
@@ -22818,6 +24138,66 @@
           </a:prstGeom>
         </p:spPr>
       </p:pic>
+      <p:sp>
+        <p:nvSpPr>
+          <p:cNvPr id="12" name="Elipse 11">
+            <a:hlinkClick r:id="rId9" action="ppaction://hlinksldjump"/>
+            <a:extLst>
+              <a:ext uri="{FF2B5EF4-FFF2-40B4-BE49-F238E27FC236}">
+                <a16:creationId xmlns:a16="http://schemas.microsoft.com/office/drawing/2014/main" id="{43BB760D-7109-4D18-AD66-1269C6DA5F97}"/>
+              </a:ext>
+            </a:extLst>
+          </p:cNvPr>
+          <p:cNvSpPr/>
+          <p:nvPr/>
+        </p:nvSpPr>
+        <p:spPr>
+          <a:xfrm>
+            <a:off x="8006633" y="331020"/>
+            <a:ext cx="155644" cy="139192"/>
+          </a:xfrm>
+          <a:prstGeom prst="ellipse">
+            <a:avLst/>
+          </a:prstGeom>
+          <a:solidFill>
+            <a:schemeClr val="accent1">
+              <a:alpha val="0"/>
+            </a:schemeClr>
+          </a:solidFill>
+          <a:ln>
+            <a:solidFill>
+              <a:schemeClr val="accent1">
+                <a:shade val="50000"/>
+                <a:alpha val="0"/>
+              </a:schemeClr>
+            </a:solidFill>
+          </a:ln>
+        </p:spPr>
+        <p:style>
+          <a:lnRef idx="2">
+            <a:schemeClr val="accent1">
+              <a:shade val="50000"/>
+            </a:schemeClr>
+          </a:lnRef>
+          <a:fillRef idx="1">
+            <a:schemeClr val="accent1"/>
+          </a:fillRef>
+          <a:effectRef idx="0">
+            <a:schemeClr val="accent1"/>
+          </a:effectRef>
+          <a:fontRef idx="minor">
+            <a:schemeClr val="lt1"/>
+          </a:fontRef>
+        </p:style>
+        <p:txBody>
+          <a:bodyPr rtlCol="0" anchor="ctr"/>
+          <a:lstStyle/>
+          <a:p>
+            <a:pPr algn="ctr"/>
+            <a:endParaRPr lang="es-ES" dirty="0"/>
+          </a:p>
+        </p:txBody>
+      </p:sp>
     </p:spTree>
     <p:extLst>
       <p:ext uri="{BB962C8B-B14F-4D97-AF65-F5344CB8AC3E}">
@@ -23376,6 +24756,66 @@
           </a:prstGeom>
         </p:spPr>
       </p:pic>
+      <p:sp>
+        <p:nvSpPr>
+          <p:cNvPr id="13" name="Elipse 12">
+            <a:hlinkClick r:id="rId10" action="ppaction://hlinksldjump"/>
+            <a:extLst>
+              <a:ext uri="{FF2B5EF4-FFF2-40B4-BE49-F238E27FC236}">
+                <a16:creationId xmlns:a16="http://schemas.microsoft.com/office/drawing/2014/main" id="{FA09A8D6-8194-475A-8E5D-DD16FDB00DAD}"/>
+              </a:ext>
+            </a:extLst>
+          </p:cNvPr>
+          <p:cNvSpPr/>
+          <p:nvPr/>
+        </p:nvSpPr>
+        <p:spPr>
+          <a:xfrm>
+            <a:off x="8006633" y="331020"/>
+            <a:ext cx="155644" cy="139192"/>
+          </a:xfrm>
+          <a:prstGeom prst="ellipse">
+            <a:avLst/>
+          </a:prstGeom>
+          <a:solidFill>
+            <a:schemeClr val="accent1">
+              <a:alpha val="0"/>
+            </a:schemeClr>
+          </a:solidFill>
+          <a:ln>
+            <a:solidFill>
+              <a:schemeClr val="accent1">
+                <a:shade val="50000"/>
+                <a:alpha val="0"/>
+              </a:schemeClr>
+            </a:solidFill>
+          </a:ln>
+        </p:spPr>
+        <p:style>
+          <a:lnRef idx="2">
+            <a:schemeClr val="accent1">
+              <a:shade val="50000"/>
+            </a:schemeClr>
+          </a:lnRef>
+          <a:fillRef idx="1">
+            <a:schemeClr val="accent1"/>
+          </a:fillRef>
+          <a:effectRef idx="0">
+            <a:schemeClr val="accent1"/>
+          </a:effectRef>
+          <a:fontRef idx="minor">
+            <a:schemeClr val="lt1"/>
+          </a:fontRef>
+        </p:style>
+        <p:txBody>
+          <a:bodyPr rtlCol="0" anchor="ctr"/>
+          <a:lstStyle/>
+          <a:p>
+            <a:pPr algn="ctr"/>
+            <a:endParaRPr lang="es-ES" dirty="0"/>
+          </a:p>
+        </p:txBody>
+      </p:sp>
     </p:spTree>
     <p:extLst>
       <p:ext uri="{BB962C8B-B14F-4D97-AF65-F5344CB8AC3E}">
@@ -24044,6 +25484,66 @@
           </a:prstGeom>
         </p:spPr>
       </p:pic>
+      <p:sp>
+        <p:nvSpPr>
+          <p:cNvPr id="15" name="Elipse 14">
+            <a:hlinkClick r:id="rId12" action="ppaction://hlinksldjump"/>
+            <a:extLst>
+              <a:ext uri="{FF2B5EF4-FFF2-40B4-BE49-F238E27FC236}">
+                <a16:creationId xmlns:a16="http://schemas.microsoft.com/office/drawing/2014/main" id="{4E82F67D-C2D3-4F74-A422-FC965D49FBDB}"/>
+              </a:ext>
+            </a:extLst>
+          </p:cNvPr>
+          <p:cNvSpPr/>
+          <p:nvPr/>
+        </p:nvSpPr>
+        <p:spPr>
+          <a:xfrm>
+            <a:off x="8006633" y="331020"/>
+            <a:ext cx="155644" cy="139192"/>
+          </a:xfrm>
+          <a:prstGeom prst="ellipse">
+            <a:avLst/>
+          </a:prstGeom>
+          <a:solidFill>
+            <a:schemeClr val="accent1">
+              <a:alpha val="0"/>
+            </a:schemeClr>
+          </a:solidFill>
+          <a:ln>
+            <a:solidFill>
+              <a:schemeClr val="accent1">
+                <a:shade val="50000"/>
+                <a:alpha val="0"/>
+              </a:schemeClr>
+            </a:solidFill>
+          </a:ln>
+        </p:spPr>
+        <p:style>
+          <a:lnRef idx="2">
+            <a:schemeClr val="accent1">
+              <a:shade val="50000"/>
+            </a:schemeClr>
+          </a:lnRef>
+          <a:fillRef idx="1">
+            <a:schemeClr val="accent1"/>
+          </a:fillRef>
+          <a:effectRef idx="0">
+            <a:schemeClr val="accent1"/>
+          </a:effectRef>
+          <a:fontRef idx="minor">
+            <a:schemeClr val="lt1"/>
+          </a:fontRef>
+        </p:style>
+        <p:txBody>
+          <a:bodyPr rtlCol="0" anchor="ctr"/>
+          <a:lstStyle/>
+          <a:p>
+            <a:pPr algn="ctr"/>
+            <a:endParaRPr lang="es-ES" dirty="0"/>
+          </a:p>
+        </p:txBody>
+      </p:sp>
     </p:spTree>
     <p:extLst>
       <p:ext uri="{BB962C8B-B14F-4D97-AF65-F5344CB8AC3E}">
@@ -24547,6 +26047,66 @@
           </a:prstGeom>
         </p:spPr>
       </p:pic>
+      <p:sp>
+        <p:nvSpPr>
+          <p:cNvPr id="13" name="Elipse 12">
+            <a:hlinkClick r:id="rId10" action="ppaction://hlinksldjump"/>
+            <a:extLst>
+              <a:ext uri="{FF2B5EF4-FFF2-40B4-BE49-F238E27FC236}">
+                <a16:creationId xmlns:a16="http://schemas.microsoft.com/office/drawing/2014/main" id="{28FD41AF-02E1-44CA-8F55-A5714E595230}"/>
+              </a:ext>
+            </a:extLst>
+          </p:cNvPr>
+          <p:cNvSpPr/>
+          <p:nvPr/>
+        </p:nvSpPr>
+        <p:spPr>
+          <a:xfrm>
+            <a:off x="8006633" y="331020"/>
+            <a:ext cx="155644" cy="139192"/>
+          </a:xfrm>
+          <a:prstGeom prst="ellipse">
+            <a:avLst/>
+          </a:prstGeom>
+          <a:solidFill>
+            <a:schemeClr val="accent1">
+              <a:alpha val="0"/>
+            </a:schemeClr>
+          </a:solidFill>
+          <a:ln>
+            <a:solidFill>
+              <a:schemeClr val="accent1">
+                <a:shade val="50000"/>
+                <a:alpha val="0"/>
+              </a:schemeClr>
+            </a:solidFill>
+          </a:ln>
+        </p:spPr>
+        <p:style>
+          <a:lnRef idx="2">
+            <a:schemeClr val="accent1">
+              <a:shade val="50000"/>
+            </a:schemeClr>
+          </a:lnRef>
+          <a:fillRef idx="1">
+            <a:schemeClr val="accent1"/>
+          </a:fillRef>
+          <a:effectRef idx="0">
+            <a:schemeClr val="accent1"/>
+          </a:effectRef>
+          <a:fontRef idx="minor">
+            <a:schemeClr val="lt1"/>
+          </a:fontRef>
+        </p:style>
+        <p:txBody>
+          <a:bodyPr rtlCol="0" anchor="ctr"/>
+          <a:lstStyle/>
+          <a:p>
+            <a:pPr algn="ctr"/>
+            <a:endParaRPr lang="es-ES" dirty="0"/>
+          </a:p>
+        </p:txBody>
+      </p:sp>
     </p:spTree>
     <p:extLst>
       <p:ext uri="{BB962C8B-B14F-4D97-AF65-F5344CB8AC3E}">
@@ -25270,6 +26830,66 @@
           </a:prstGeom>
         </p:spPr>
       </p:pic>
+      <p:sp>
+        <p:nvSpPr>
+          <p:cNvPr id="16" name="Elipse 15">
+            <a:hlinkClick r:id="rId15" action="ppaction://hlinksldjump"/>
+            <a:extLst>
+              <a:ext uri="{FF2B5EF4-FFF2-40B4-BE49-F238E27FC236}">
+                <a16:creationId xmlns:a16="http://schemas.microsoft.com/office/drawing/2014/main" id="{72A6BAB7-D983-44CC-9554-0A7FEDA63024}"/>
+              </a:ext>
+            </a:extLst>
+          </p:cNvPr>
+          <p:cNvSpPr/>
+          <p:nvPr/>
+        </p:nvSpPr>
+        <p:spPr>
+          <a:xfrm>
+            <a:off x="8006633" y="331020"/>
+            <a:ext cx="155644" cy="139192"/>
+          </a:xfrm>
+          <a:prstGeom prst="ellipse">
+            <a:avLst/>
+          </a:prstGeom>
+          <a:solidFill>
+            <a:schemeClr val="accent1">
+              <a:alpha val="0"/>
+            </a:schemeClr>
+          </a:solidFill>
+          <a:ln>
+            <a:solidFill>
+              <a:schemeClr val="accent1">
+                <a:shade val="50000"/>
+                <a:alpha val="0"/>
+              </a:schemeClr>
+            </a:solidFill>
+          </a:ln>
+        </p:spPr>
+        <p:style>
+          <a:lnRef idx="2">
+            <a:schemeClr val="accent1">
+              <a:shade val="50000"/>
+            </a:schemeClr>
+          </a:lnRef>
+          <a:fillRef idx="1">
+            <a:schemeClr val="accent1"/>
+          </a:fillRef>
+          <a:effectRef idx="0">
+            <a:schemeClr val="accent1"/>
+          </a:effectRef>
+          <a:fontRef idx="minor">
+            <a:schemeClr val="lt1"/>
+          </a:fontRef>
+        </p:style>
+        <p:txBody>
+          <a:bodyPr rtlCol="0" anchor="ctr"/>
+          <a:lstStyle/>
+          <a:p>
+            <a:pPr algn="ctr"/>
+            <a:endParaRPr lang="es-ES" dirty="0"/>
+          </a:p>
+        </p:txBody>
+      </p:sp>
     </p:spTree>
     <p:extLst>
       <p:ext uri="{BB962C8B-B14F-4D97-AF65-F5344CB8AC3E}">
@@ -26158,6 +27778,66 @@
           </a:prstGeom>
         </p:spPr>
       </p:pic>
+      <p:sp>
+        <p:nvSpPr>
+          <p:cNvPr id="19" name="Elipse 18">
+            <a:hlinkClick r:id="rId17" action="ppaction://hlinksldjump"/>
+            <a:extLst>
+              <a:ext uri="{FF2B5EF4-FFF2-40B4-BE49-F238E27FC236}">
+                <a16:creationId xmlns:a16="http://schemas.microsoft.com/office/drawing/2014/main" id="{04F585DC-4CFF-4AE8-B2EC-3CF7C9EDACAE}"/>
+              </a:ext>
+            </a:extLst>
+          </p:cNvPr>
+          <p:cNvSpPr/>
+          <p:nvPr/>
+        </p:nvSpPr>
+        <p:spPr>
+          <a:xfrm>
+            <a:off x="8006633" y="331020"/>
+            <a:ext cx="155644" cy="139192"/>
+          </a:xfrm>
+          <a:prstGeom prst="ellipse">
+            <a:avLst/>
+          </a:prstGeom>
+          <a:solidFill>
+            <a:schemeClr val="accent1">
+              <a:alpha val="0"/>
+            </a:schemeClr>
+          </a:solidFill>
+          <a:ln>
+            <a:solidFill>
+              <a:schemeClr val="accent1">
+                <a:shade val="50000"/>
+                <a:alpha val="0"/>
+              </a:schemeClr>
+            </a:solidFill>
+          </a:ln>
+        </p:spPr>
+        <p:style>
+          <a:lnRef idx="2">
+            <a:schemeClr val="accent1">
+              <a:shade val="50000"/>
+            </a:schemeClr>
+          </a:lnRef>
+          <a:fillRef idx="1">
+            <a:schemeClr val="accent1"/>
+          </a:fillRef>
+          <a:effectRef idx="0">
+            <a:schemeClr val="accent1"/>
+          </a:effectRef>
+          <a:fontRef idx="minor">
+            <a:schemeClr val="lt1"/>
+          </a:fontRef>
+        </p:style>
+        <p:txBody>
+          <a:bodyPr rtlCol="0" anchor="ctr"/>
+          <a:lstStyle/>
+          <a:p>
+            <a:pPr algn="ctr"/>
+            <a:endParaRPr lang="es-ES" dirty="0"/>
+          </a:p>
+        </p:txBody>
+      </p:sp>
     </p:spTree>
     <p:extLst>
       <p:ext uri="{BB962C8B-B14F-4D97-AF65-F5344CB8AC3E}">
@@ -27458,6 +29138,66 @@
           </a:prstGeom>
         </p:spPr>
       </p:pic>
+      <p:sp>
+        <p:nvSpPr>
+          <p:cNvPr id="16" name="Elipse 15">
+            <a:hlinkClick r:id="rId14" action="ppaction://hlinksldjump"/>
+            <a:extLst>
+              <a:ext uri="{FF2B5EF4-FFF2-40B4-BE49-F238E27FC236}">
+                <a16:creationId xmlns:a16="http://schemas.microsoft.com/office/drawing/2014/main" id="{C80234C7-41AF-4056-B280-1EA24776F39A}"/>
+              </a:ext>
+            </a:extLst>
+          </p:cNvPr>
+          <p:cNvSpPr/>
+          <p:nvPr/>
+        </p:nvSpPr>
+        <p:spPr>
+          <a:xfrm>
+            <a:off x="8006633" y="331020"/>
+            <a:ext cx="155644" cy="139192"/>
+          </a:xfrm>
+          <a:prstGeom prst="ellipse">
+            <a:avLst/>
+          </a:prstGeom>
+          <a:solidFill>
+            <a:schemeClr val="accent1">
+              <a:alpha val="0"/>
+            </a:schemeClr>
+          </a:solidFill>
+          <a:ln>
+            <a:solidFill>
+              <a:schemeClr val="accent1">
+                <a:shade val="50000"/>
+                <a:alpha val="0"/>
+              </a:schemeClr>
+            </a:solidFill>
+          </a:ln>
+        </p:spPr>
+        <p:style>
+          <a:lnRef idx="2">
+            <a:schemeClr val="accent1">
+              <a:shade val="50000"/>
+            </a:schemeClr>
+          </a:lnRef>
+          <a:fillRef idx="1">
+            <a:schemeClr val="accent1"/>
+          </a:fillRef>
+          <a:effectRef idx="0">
+            <a:schemeClr val="accent1"/>
+          </a:effectRef>
+          <a:fontRef idx="minor">
+            <a:schemeClr val="lt1"/>
+          </a:fontRef>
+        </p:style>
+        <p:txBody>
+          <a:bodyPr rtlCol="0" anchor="ctr"/>
+          <a:lstStyle/>
+          <a:p>
+            <a:pPr algn="ctr"/>
+            <a:endParaRPr lang="es-ES" dirty="0"/>
+          </a:p>
+        </p:txBody>
+      </p:sp>
     </p:spTree>
     <p:extLst>
       <p:ext uri="{BB962C8B-B14F-4D97-AF65-F5344CB8AC3E}">
@@ -28181,6 +29921,66 @@
           </a:prstGeom>
         </p:spPr>
       </p:pic>
+      <p:sp>
+        <p:nvSpPr>
+          <p:cNvPr id="18" name="Elipse 17">
+            <a:hlinkClick r:id="rId15" action="ppaction://hlinksldjump"/>
+            <a:extLst>
+              <a:ext uri="{FF2B5EF4-FFF2-40B4-BE49-F238E27FC236}">
+                <a16:creationId xmlns:a16="http://schemas.microsoft.com/office/drawing/2014/main" id="{401F8B77-F50A-4AC8-BE3F-6A304E7B21F1}"/>
+              </a:ext>
+            </a:extLst>
+          </p:cNvPr>
+          <p:cNvSpPr/>
+          <p:nvPr/>
+        </p:nvSpPr>
+        <p:spPr>
+          <a:xfrm>
+            <a:off x="8006633" y="331020"/>
+            <a:ext cx="155644" cy="139192"/>
+          </a:xfrm>
+          <a:prstGeom prst="ellipse">
+            <a:avLst/>
+          </a:prstGeom>
+          <a:solidFill>
+            <a:schemeClr val="accent1">
+              <a:alpha val="0"/>
+            </a:schemeClr>
+          </a:solidFill>
+          <a:ln>
+            <a:solidFill>
+              <a:schemeClr val="accent1">
+                <a:shade val="50000"/>
+                <a:alpha val="0"/>
+              </a:schemeClr>
+            </a:solidFill>
+          </a:ln>
+        </p:spPr>
+        <p:style>
+          <a:lnRef idx="2">
+            <a:schemeClr val="accent1">
+              <a:shade val="50000"/>
+            </a:schemeClr>
+          </a:lnRef>
+          <a:fillRef idx="1">
+            <a:schemeClr val="accent1"/>
+          </a:fillRef>
+          <a:effectRef idx="0">
+            <a:schemeClr val="accent1"/>
+          </a:effectRef>
+          <a:fontRef idx="minor">
+            <a:schemeClr val="lt1"/>
+          </a:fontRef>
+        </p:style>
+        <p:txBody>
+          <a:bodyPr rtlCol="0" anchor="ctr"/>
+          <a:lstStyle/>
+          <a:p>
+            <a:pPr algn="ctr"/>
+            <a:endParaRPr lang="es-ES" dirty="0"/>
+          </a:p>
+        </p:txBody>
+      </p:sp>
     </p:spTree>
     <p:extLst>
       <p:ext uri="{BB962C8B-B14F-4D97-AF65-F5344CB8AC3E}">
@@ -28904,6 +30704,66 @@
           </a:prstGeom>
         </p:spPr>
       </p:pic>
+      <p:sp>
+        <p:nvSpPr>
+          <p:cNvPr id="19" name="Elipse 18">
+            <a:hlinkClick r:id="rId14" action="ppaction://hlinksldjump"/>
+            <a:extLst>
+              <a:ext uri="{FF2B5EF4-FFF2-40B4-BE49-F238E27FC236}">
+                <a16:creationId xmlns:a16="http://schemas.microsoft.com/office/drawing/2014/main" id="{409B6290-55BE-45AE-BC62-45AA127C9632}"/>
+              </a:ext>
+            </a:extLst>
+          </p:cNvPr>
+          <p:cNvSpPr/>
+          <p:nvPr/>
+        </p:nvSpPr>
+        <p:spPr>
+          <a:xfrm>
+            <a:off x="8006633" y="331020"/>
+            <a:ext cx="155644" cy="139192"/>
+          </a:xfrm>
+          <a:prstGeom prst="ellipse">
+            <a:avLst/>
+          </a:prstGeom>
+          <a:solidFill>
+            <a:schemeClr val="accent1">
+              <a:alpha val="0"/>
+            </a:schemeClr>
+          </a:solidFill>
+          <a:ln>
+            <a:solidFill>
+              <a:schemeClr val="accent1">
+                <a:shade val="50000"/>
+                <a:alpha val="0"/>
+              </a:schemeClr>
+            </a:solidFill>
+          </a:ln>
+        </p:spPr>
+        <p:style>
+          <a:lnRef idx="2">
+            <a:schemeClr val="accent1">
+              <a:shade val="50000"/>
+            </a:schemeClr>
+          </a:lnRef>
+          <a:fillRef idx="1">
+            <a:schemeClr val="accent1"/>
+          </a:fillRef>
+          <a:effectRef idx="0">
+            <a:schemeClr val="accent1"/>
+          </a:effectRef>
+          <a:fontRef idx="minor">
+            <a:schemeClr val="lt1"/>
+          </a:fontRef>
+        </p:style>
+        <p:txBody>
+          <a:bodyPr rtlCol="0" anchor="ctr"/>
+          <a:lstStyle/>
+          <a:p>
+            <a:pPr algn="ctr"/>
+            <a:endParaRPr lang="es-ES" dirty="0"/>
+          </a:p>
+        </p:txBody>
+      </p:sp>
     </p:spTree>
     <p:extLst>
       <p:ext uri="{BB962C8B-B14F-4D97-AF65-F5344CB8AC3E}">
@@ -29407,6 +31267,66 @@
           </a:prstGeom>
         </p:spPr>
       </p:pic>
+      <p:sp>
+        <p:nvSpPr>
+          <p:cNvPr id="12" name="Elipse 11">
+            <a:hlinkClick r:id="rId11" action="ppaction://hlinksldjump"/>
+            <a:extLst>
+              <a:ext uri="{FF2B5EF4-FFF2-40B4-BE49-F238E27FC236}">
+                <a16:creationId xmlns:a16="http://schemas.microsoft.com/office/drawing/2014/main" id="{556A9155-981F-4322-A463-DC20C35A93A3}"/>
+              </a:ext>
+            </a:extLst>
+          </p:cNvPr>
+          <p:cNvSpPr/>
+          <p:nvPr/>
+        </p:nvSpPr>
+        <p:spPr>
+          <a:xfrm>
+            <a:off x="8006633" y="331020"/>
+            <a:ext cx="155644" cy="139192"/>
+          </a:xfrm>
+          <a:prstGeom prst="ellipse">
+            <a:avLst/>
+          </a:prstGeom>
+          <a:solidFill>
+            <a:schemeClr val="accent1">
+              <a:alpha val="0"/>
+            </a:schemeClr>
+          </a:solidFill>
+          <a:ln>
+            <a:solidFill>
+              <a:schemeClr val="accent1">
+                <a:shade val="50000"/>
+                <a:alpha val="0"/>
+              </a:schemeClr>
+            </a:solidFill>
+          </a:ln>
+        </p:spPr>
+        <p:style>
+          <a:lnRef idx="2">
+            <a:schemeClr val="accent1">
+              <a:shade val="50000"/>
+            </a:schemeClr>
+          </a:lnRef>
+          <a:fillRef idx="1">
+            <a:schemeClr val="accent1"/>
+          </a:fillRef>
+          <a:effectRef idx="0">
+            <a:schemeClr val="accent1"/>
+          </a:effectRef>
+          <a:fontRef idx="minor">
+            <a:schemeClr val="lt1"/>
+          </a:fontRef>
+        </p:style>
+        <p:txBody>
+          <a:bodyPr rtlCol="0" anchor="ctr"/>
+          <a:lstStyle/>
+          <a:p>
+            <a:pPr algn="ctr"/>
+            <a:endParaRPr lang="es-ES" dirty="0"/>
+          </a:p>
+        </p:txBody>
+      </p:sp>
     </p:spTree>
     <p:extLst>
       <p:ext uri="{BB962C8B-B14F-4D97-AF65-F5344CB8AC3E}">
@@ -30075,6 +31995,66 @@
           </a:prstGeom>
         </p:spPr>
       </p:pic>
+      <p:sp>
+        <p:nvSpPr>
+          <p:cNvPr id="15" name="Elipse 14">
+            <a:hlinkClick r:id="rId13" action="ppaction://hlinksldjump"/>
+            <a:extLst>
+              <a:ext uri="{FF2B5EF4-FFF2-40B4-BE49-F238E27FC236}">
+                <a16:creationId xmlns:a16="http://schemas.microsoft.com/office/drawing/2014/main" id="{5465D515-6926-4FE4-813A-A9B94B167436}"/>
+              </a:ext>
+            </a:extLst>
+          </p:cNvPr>
+          <p:cNvSpPr/>
+          <p:nvPr/>
+        </p:nvSpPr>
+        <p:spPr>
+          <a:xfrm>
+            <a:off x="8006633" y="331020"/>
+            <a:ext cx="155644" cy="139192"/>
+          </a:xfrm>
+          <a:prstGeom prst="ellipse">
+            <a:avLst/>
+          </a:prstGeom>
+          <a:solidFill>
+            <a:schemeClr val="accent1">
+              <a:alpha val="0"/>
+            </a:schemeClr>
+          </a:solidFill>
+          <a:ln>
+            <a:solidFill>
+              <a:schemeClr val="accent1">
+                <a:shade val="50000"/>
+                <a:alpha val="0"/>
+              </a:schemeClr>
+            </a:solidFill>
+          </a:ln>
+        </p:spPr>
+        <p:style>
+          <a:lnRef idx="2">
+            <a:schemeClr val="accent1">
+              <a:shade val="50000"/>
+            </a:schemeClr>
+          </a:lnRef>
+          <a:fillRef idx="1">
+            <a:schemeClr val="accent1"/>
+          </a:fillRef>
+          <a:effectRef idx="0">
+            <a:schemeClr val="accent1"/>
+          </a:effectRef>
+          <a:fontRef idx="minor">
+            <a:schemeClr val="lt1"/>
+          </a:fontRef>
+        </p:style>
+        <p:txBody>
+          <a:bodyPr rtlCol="0" anchor="ctr"/>
+          <a:lstStyle/>
+          <a:p>
+            <a:pPr algn="ctr"/>
+            <a:endParaRPr lang="es-ES" dirty="0"/>
+          </a:p>
+        </p:txBody>
+      </p:sp>
     </p:spTree>
     <p:extLst>
       <p:ext uri="{BB962C8B-B14F-4D97-AF65-F5344CB8AC3E}">
@@ -30578,6 +32558,66 @@
           </a:prstGeom>
         </p:spPr>
       </p:pic>
+      <p:sp>
+        <p:nvSpPr>
+          <p:cNvPr id="12" name="Elipse 11">
+            <a:hlinkClick r:id="rId10" action="ppaction://hlinksldjump"/>
+            <a:extLst>
+              <a:ext uri="{FF2B5EF4-FFF2-40B4-BE49-F238E27FC236}">
+                <a16:creationId xmlns:a16="http://schemas.microsoft.com/office/drawing/2014/main" id="{1141A769-3419-42D8-8480-F400BEA0AFD9}"/>
+              </a:ext>
+            </a:extLst>
+          </p:cNvPr>
+          <p:cNvSpPr/>
+          <p:nvPr/>
+        </p:nvSpPr>
+        <p:spPr>
+          <a:xfrm>
+            <a:off x="8006633" y="331020"/>
+            <a:ext cx="155644" cy="139192"/>
+          </a:xfrm>
+          <a:prstGeom prst="ellipse">
+            <a:avLst/>
+          </a:prstGeom>
+          <a:solidFill>
+            <a:schemeClr val="accent1">
+              <a:alpha val="0"/>
+            </a:schemeClr>
+          </a:solidFill>
+          <a:ln>
+            <a:solidFill>
+              <a:schemeClr val="accent1">
+                <a:shade val="50000"/>
+                <a:alpha val="0"/>
+              </a:schemeClr>
+            </a:solidFill>
+          </a:ln>
+        </p:spPr>
+        <p:style>
+          <a:lnRef idx="2">
+            <a:schemeClr val="accent1">
+              <a:shade val="50000"/>
+            </a:schemeClr>
+          </a:lnRef>
+          <a:fillRef idx="1">
+            <a:schemeClr val="accent1"/>
+          </a:fillRef>
+          <a:effectRef idx="0">
+            <a:schemeClr val="accent1"/>
+          </a:effectRef>
+          <a:fontRef idx="minor">
+            <a:schemeClr val="lt1"/>
+          </a:fontRef>
+        </p:style>
+        <p:txBody>
+          <a:bodyPr rtlCol="0" anchor="ctr"/>
+          <a:lstStyle/>
+          <a:p>
+            <a:pPr algn="ctr"/>
+            <a:endParaRPr lang="es-ES" dirty="0"/>
+          </a:p>
+        </p:txBody>
+      </p:sp>
     </p:spTree>
     <p:extLst>
       <p:ext uri="{BB962C8B-B14F-4D97-AF65-F5344CB8AC3E}">
@@ -31026,6 +33066,66 @@
           </a:prstGeom>
         </p:spPr>
       </p:pic>
+      <p:sp>
+        <p:nvSpPr>
+          <p:cNvPr id="11" name="Elipse 10">
+            <a:hlinkClick r:id="rId9" action="ppaction://hlinksldjump"/>
+            <a:extLst>
+              <a:ext uri="{FF2B5EF4-FFF2-40B4-BE49-F238E27FC236}">
+                <a16:creationId xmlns:a16="http://schemas.microsoft.com/office/drawing/2014/main" id="{2E442BA4-7E84-45EC-AC4D-1B9B23FBBE03}"/>
+              </a:ext>
+            </a:extLst>
+          </p:cNvPr>
+          <p:cNvSpPr/>
+          <p:nvPr/>
+        </p:nvSpPr>
+        <p:spPr>
+          <a:xfrm>
+            <a:off x="8006633" y="331020"/>
+            <a:ext cx="155644" cy="139192"/>
+          </a:xfrm>
+          <a:prstGeom prst="ellipse">
+            <a:avLst/>
+          </a:prstGeom>
+          <a:solidFill>
+            <a:schemeClr val="accent1">
+              <a:alpha val="0"/>
+            </a:schemeClr>
+          </a:solidFill>
+          <a:ln>
+            <a:solidFill>
+              <a:schemeClr val="accent1">
+                <a:shade val="50000"/>
+                <a:alpha val="0"/>
+              </a:schemeClr>
+            </a:solidFill>
+          </a:ln>
+        </p:spPr>
+        <p:style>
+          <a:lnRef idx="2">
+            <a:schemeClr val="accent1">
+              <a:shade val="50000"/>
+            </a:schemeClr>
+          </a:lnRef>
+          <a:fillRef idx="1">
+            <a:schemeClr val="accent1"/>
+          </a:fillRef>
+          <a:effectRef idx="0">
+            <a:schemeClr val="accent1"/>
+          </a:effectRef>
+          <a:fontRef idx="minor">
+            <a:schemeClr val="lt1"/>
+          </a:fontRef>
+        </p:style>
+        <p:txBody>
+          <a:bodyPr rtlCol="0" anchor="ctr"/>
+          <a:lstStyle/>
+          <a:p>
+            <a:pPr algn="ctr"/>
+            <a:endParaRPr lang="es-ES" dirty="0"/>
+          </a:p>
+        </p:txBody>
+      </p:sp>
     </p:spTree>
     <p:extLst>
       <p:ext uri="{BB962C8B-B14F-4D97-AF65-F5344CB8AC3E}">
@@ -31529,6 +33629,66 @@
           </a:prstGeom>
         </p:spPr>
       </p:pic>
+      <p:sp>
+        <p:nvSpPr>
+          <p:cNvPr id="13" name="Elipse 12">
+            <a:hlinkClick r:id="rId9" action="ppaction://hlinksldjump"/>
+            <a:extLst>
+              <a:ext uri="{FF2B5EF4-FFF2-40B4-BE49-F238E27FC236}">
+                <a16:creationId xmlns:a16="http://schemas.microsoft.com/office/drawing/2014/main" id="{3B596C21-23FD-45EF-BF73-90D8186E5B05}"/>
+              </a:ext>
+            </a:extLst>
+          </p:cNvPr>
+          <p:cNvSpPr/>
+          <p:nvPr/>
+        </p:nvSpPr>
+        <p:spPr>
+          <a:xfrm>
+            <a:off x="8006633" y="331020"/>
+            <a:ext cx="155644" cy="139192"/>
+          </a:xfrm>
+          <a:prstGeom prst="ellipse">
+            <a:avLst/>
+          </a:prstGeom>
+          <a:solidFill>
+            <a:schemeClr val="accent1">
+              <a:alpha val="0"/>
+            </a:schemeClr>
+          </a:solidFill>
+          <a:ln>
+            <a:solidFill>
+              <a:schemeClr val="accent1">
+                <a:shade val="50000"/>
+                <a:alpha val="0"/>
+              </a:schemeClr>
+            </a:solidFill>
+          </a:ln>
+        </p:spPr>
+        <p:style>
+          <a:lnRef idx="2">
+            <a:schemeClr val="accent1">
+              <a:shade val="50000"/>
+            </a:schemeClr>
+          </a:lnRef>
+          <a:fillRef idx="1">
+            <a:schemeClr val="accent1"/>
+          </a:fillRef>
+          <a:effectRef idx="0">
+            <a:schemeClr val="accent1"/>
+          </a:effectRef>
+          <a:fontRef idx="minor">
+            <a:schemeClr val="lt1"/>
+          </a:fontRef>
+        </p:style>
+        <p:txBody>
+          <a:bodyPr rtlCol="0" anchor="ctr"/>
+          <a:lstStyle/>
+          <a:p>
+            <a:pPr algn="ctr"/>
+            <a:endParaRPr lang="es-ES" dirty="0"/>
+          </a:p>
+        </p:txBody>
+      </p:sp>
     </p:spTree>
     <p:extLst>
       <p:ext uri="{BB962C8B-B14F-4D97-AF65-F5344CB8AC3E}">
@@ -32032,6 +34192,66 @@
           </a:prstGeom>
         </p:spPr>
       </p:pic>
+      <p:sp>
+        <p:nvSpPr>
+          <p:cNvPr id="12" name="Elipse 11">
+            <a:hlinkClick r:id="rId10" action="ppaction://hlinksldjump"/>
+            <a:extLst>
+              <a:ext uri="{FF2B5EF4-FFF2-40B4-BE49-F238E27FC236}">
+                <a16:creationId xmlns:a16="http://schemas.microsoft.com/office/drawing/2014/main" id="{19A3274E-5749-409C-AE00-451E2B0E1929}"/>
+              </a:ext>
+            </a:extLst>
+          </p:cNvPr>
+          <p:cNvSpPr/>
+          <p:nvPr/>
+        </p:nvSpPr>
+        <p:spPr>
+          <a:xfrm>
+            <a:off x="8006633" y="331020"/>
+            <a:ext cx="155644" cy="139192"/>
+          </a:xfrm>
+          <a:prstGeom prst="ellipse">
+            <a:avLst/>
+          </a:prstGeom>
+          <a:solidFill>
+            <a:schemeClr val="accent1">
+              <a:alpha val="0"/>
+            </a:schemeClr>
+          </a:solidFill>
+          <a:ln>
+            <a:solidFill>
+              <a:schemeClr val="accent1">
+                <a:shade val="50000"/>
+                <a:alpha val="0"/>
+              </a:schemeClr>
+            </a:solidFill>
+          </a:ln>
+        </p:spPr>
+        <p:style>
+          <a:lnRef idx="2">
+            <a:schemeClr val="accent1">
+              <a:shade val="50000"/>
+            </a:schemeClr>
+          </a:lnRef>
+          <a:fillRef idx="1">
+            <a:schemeClr val="accent1"/>
+          </a:fillRef>
+          <a:effectRef idx="0">
+            <a:schemeClr val="accent1"/>
+          </a:effectRef>
+          <a:fontRef idx="minor">
+            <a:schemeClr val="lt1"/>
+          </a:fontRef>
+        </p:style>
+        <p:txBody>
+          <a:bodyPr rtlCol="0" anchor="ctr"/>
+          <a:lstStyle/>
+          <a:p>
+            <a:pPr algn="ctr"/>
+            <a:endParaRPr lang="es-ES" dirty="0"/>
+          </a:p>
+        </p:txBody>
+      </p:sp>
     </p:spTree>
     <p:extLst>
       <p:ext uri="{BB962C8B-B14F-4D97-AF65-F5344CB8AC3E}">
@@ -32535,6 +34755,66 @@
           </a:prstGeom>
         </p:spPr>
       </p:pic>
+      <p:sp>
+        <p:nvSpPr>
+          <p:cNvPr id="12" name="Elipse 11">
+            <a:hlinkClick r:id="rId10" action="ppaction://hlinksldjump"/>
+            <a:extLst>
+              <a:ext uri="{FF2B5EF4-FFF2-40B4-BE49-F238E27FC236}">
+                <a16:creationId xmlns:a16="http://schemas.microsoft.com/office/drawing/2014/main" id="{77AD3E25-D5BB-4422-BED0-C8EF21024E78}"/>
+              </a:ext>
+            </a:extLst>
+          </p:cNvPr>
+          <p:cNvSpPr/>
+          <p:nvPr/>
+        </p:nvSpPr>
+        <p:spPr>
+          <a:xfrm>
+            <a:off x="8006633" y="331020"/>
+            <a:ext cx="155644" cy="139192"/>
+          </a:xfrm>
+          <a:prstGeom prst="ellipse">
+            <a:avLst/>
+          </a:prstGeom>
+          <a:solidFill>
+            <a:schemeClr val="accent1">
+              <a:alpha val="0"/>
+            </a:schemeClr>
+          </a:solidFill>
+          <a:ln>
+            <a:solidFill>
+              <a:schemeClr val="accent1">
+                <a:shade val="50000"/>
+                <a:alpha val="0"/>
+              </a:schemeClr>
+            </a:solidFill>
+          </a:ln>
+        </p:spPr>
+        <p:style>
+          <a:lnRef idx="2">
+            <a:schemeClr val="accent1">
+              <a:shade val="50000"/>
+            </a:schemeClr>
+          </a:lnRef>
+          <a:fillRef idx="1">
+            <a:schemeClr val="accent1"/>
+          </a:fillRef>
+          <a:effectRef idx="0">
+            <a:schemeClr val="accent1"/>
+          </a:effectRef>
+          <a:fontRef idx="minor">
+            <a:schemeClr val="lt1"/>
+          </a:fontRef>
+        </p:style>
+        <p:txBody>
+          <a:bodyPr rtlCol="0" anchor="ctr"/>
+          <a:lstStyle/>
+          <a:p>
+            <a:pPr algn="ctr"/>
+            <a:endParaRPr lang="es-ES" dirty="0"/>
+          </a:p>
+        </p:txBody>
+      </p:sp>
     </p:spTree>
     <p:extLst>
       <p:ext uri="{BB962C8B-B14F-4D97-AF65-F5344CB8AC3E}">
@@ -33780,6 +36060,66 @@
           </a:prstGeom>
         </p:spPr>
       </p:pic>
+      <p:sp>
+        <p:nvSpPr>
+          <p:cNvPr id="15" name="Elipse 14">
+            <a:hlinkClick r:id="rId13" action="ppaction://hlinksldjump"/>
+            <a:extLst>
+              <a:ext uri="{FF2B5EF4-FFF2-40B4-BE49-F238E27FC236}">
+                <a16:creationId xmlns:a16="http://schemas.microsoft.com/office/drawing/2014/main" id="{74121238-F596-49FD-9985-ADB97D068958}"/>
+              </a:ext>
+            </a:extLst>
+          </p:cNvPr>
+          <p:cNvSpPr/>
+          <p:nvPr/>
+        </p:nvSpPr>
+        <p:spPr>
+          <a:xfrm>
+            <a:off x="8006633" y="331020"/>
+            <a:ext cx="155644" cy="139192"/>
+          </a:xfrm>
+          <a:prstGeom prst="ellipse">
+            <a:avLst/>
+          </a:prstGeom>
+          <a:solidFill>
+            <a:schemeClr val="accent1">
+              <a:alpha val="0"/>
+            </a:schemeClr>
+          </a:solidFill>
+          <a:ln>
+            <a:solidFill>
+              <a:schemeClr val="accent1">
+                <a:shade val="50000"/>
+                <a:alpha val="0"/>
+              </a:schemeClr>
+            </a:solidFill>
+          </a:ln>
+        </p:spPr>
+        <p:style>
+          <a:lnRef idx="2">
+            <a:schemeClr val="accent1">
+              <a:shade val="50000"/>
+            </a:schemeClr>
+          </a:lnRef>
+          <a:fillRef idx="1">
+            <a:schemeClr val="accent1"/>
+          </a:fillRef>
+          <a:effectRef idx="0">
+            <a:schemeClr val="accent1"/>
+          </a:effectRef>
+          <a:fontRef idx="minor">
+            <a:schemeClr val="lt1"/>
+          </a:fontRef>
+        </p:style>
+        <p:txBody>
+          <a:bodyPr rtlCol="0" anchor="ctr"/>
+          <a:lstStyle/>
+          <a:p>
+            <a:pPr algn="ctr"/>
+            <a:endParaRPr lang="es-ES" dirty="0"/>
+          </a:p>
+        </p:txBody>
+      </p:sp>
     </p:spTree>
     <p:extLst>
       <p:ext uri="{BB962C8B-B14F-4D97-AF65-F5344CB8AC3E}">
@@ -34283,6 +36623,66 @@
           </a:prstGeom>
         </p:spPr>
       </p:pic>
+      <p:sp>
+        <p:nvSpPr>
+          <p:cNvPr id="13" name="Elipse 12">
+            <a:hlinkClick r:id="rId10" action="ppaction://hlinksldjump"/>
+            <a:extLst>
+              <a:ext uri="{FF2B5EF4-FFF2-40B4-BE49-F238E27FC236}">
+                <a16:creationId xmlns:a16="http://schemas.microsoft.com/office/drawing/2014/main" id="{1DD060E7-3DDA-49F5-A721-65CB295DD8FD}"/>
+              </a:ext>
+            </a:extLst>
+          </p:cNvPr>
+          <p:cNvSpPr/>
+          <p:nvPr/>
+        </p:nvSpPr>
+        <p:spPr>
+          <a:xfrm>
+            <a:off x="8006633" y="331020"/>
+            <a:ext cx="155644" cy="139192"/>
+          </a:xfrm>
+          <a:prstGeom prst="ellipse">
+            <a:avLst/>
+          </a:prstGeom>
+          <a:solidFill>
+            <a:schemeClr val="accent1">
+              <a:alpha val="0"/>
+            </a:schemeClr>
+          </a:solidFill>
+          <a:ln>
+            <a:solidFill>
+              <a:schemeClr val="accent1">
+                <a:shade val="50000"/>
+                <a:alpha val="0"/>
+              </a:schemeClr>
+            </a:solidFill>
+          </a:ln>
+        </p:spPr>
+        <p:style>
+          <a:lnRef idx="2">
+            <a:schemeClr val="accent1">
+              <a:shade val="50000"/>
+            </a:schemeClr>
+          </a:lnRef>
+          <a:fillRef idx="1">
+            <a:schemeClr val="accent1"/>
+          </a:fillRef>
+          <a:effectRef idx="0">
+            <a:schemeClr val="accent1"/>
+          </a:effectRef>
+          <a:fontRef idx="minor">
+            <a:schemeClr val="lt1"/>
+          </a:fontRef>
+        </p:style>
+        <p:txBody>
+          <a:bodyPr rtlCol="0" anchor="ctr"/>
+          <a:lstStyle/>
+          <a:p>
+            <a:pPr algn="ctr"/>
+            <a:endParaRPr lang="es-ES" dirty="0"/>
+          </a:p>
+        </p:txBody>
+      </p:sp>
     </p:spTree>
     <p:extLst>
       <p:ext uri="{BB962C8B-B14F-4D97-AF65-F5344CB8AC3E}">
@@ -34731,6 +37131,66 @@
           </a:prstGeom>
         </p:spPr>
       </p:pic>
+      <p:sp>
+        <p:nvSpPr>
+          <p:cNvPr id="11" name="Elipse 10">
+            <a:hlinkClick r:id="rId9" action="ppaction://hlinksldjump"/>
+            <a:extLst>
+              <a:ext uri="{FF2B5EF4-FFF2-40B4-BE49-F238E27FC236}">
+                <a16:creationId xmlns:a16="http://schemas.microsoft.com/office/drawing/2014/main" id="{4D54C30C-EBEB-49B7-A4B2-CABAE25E0A82}"/>
+              </a:ext>
+            </a:extLst>
+          </p:cNvPr>
+          <p:cNvSpPr/>
+          <p:nvPr/>
+        </p:nvSpPr>
+        <p:spPr>
+          <a:xfrm>
+            <a:off x="8006633" y="331020"/>
+            <a:ext cx="155644" cy="139192"/>
+          </a:xfrm>
+          <a:prstGeom prst="ellipse">
+            <a:avLst/>
+          </a:prstGeom>
+          <a:solidFill>
+            <a:schemeClr val="accent1">
+              <a:alpha val="0"/>
+            </a:schemeClr>
+          </a:solidFill>
+          <a:ln>
+            <a:solidFill>
+              <a:schemeClr val="accent1">
+                <a:shade val="50000"/>
+                <a:alpha val="0"/>
+              </a:schemeClr>
+            </a:solidFill>
+          </a:ln>
+        </p:spPr>
+        <p:style>
+          <a:lnRef idx="2">
+            <a:schemeClr val="accent1">
+              <a:shade val="50000"/>
+            </a:schemeClr>
+          </a:lnRef>
+          <a:fillRef idx="1">
+            <a:schemeClr val="accent1"/>
+          </a:fillRef>
+          <a:effectRef idx="0">
+            <a:schemeClr val="accent1"/>
+          </a:effectRef>
+          <a:fontRef idx="minor">
+            <a:schemeClr val="lt1"/>
+          </a:fontRef>
+        </p:style>
+        <p:txBody>
+          <a:bodyPr rtlCol="0" anchor="ctr"/>
+          <a:lstStyle/>
+          <a:p>
+            <a:pPr algn="ctr"/>
+            <a:endParaRPr lang="es-ES" dirty="0"/>
+          </a:p>
+        </p:txBody>
+      </p:sp>
     </p:spTree>
     <p:extLst>
       <p:ext uri="{BB962C8B-B14F-4D97-AF65-F5344CB8AC3E}">
@@ -35454,6 +37914,66 @@
           </a:prstGeom>
         </p:spPr>
       </p:pic>
+      <p:sp>
+        <p:nvSpPr>
+          <p:cNvPr id="16" name="Elipse 15">
+            <a:hlinkClick r:id="rId15" action="ppaction://hlinksldjump"/>
+            <a:extLst>
+              <a:ext uri="{FF2B5EF4-FFF2-40B4-BE49-F238E27FC236}">
+                <a16:creationId xmlns:a16="http://schemas.microsoft.com/office/drawing/2014/main" id="{94D784ED-C599-46D4-8B21-A319B881B859}"/>
+              </a:ext>
+            </a:extLst>
+          </p:cNvPr>
+          <p:cNvSpPr/>
+          <p:nvPr/>
+        </p:nvSpPr>
+        <p:spPr>
+          <a:xfrm>
+            <a:off x="8006633" y="331020"/>
+            <a:ext cx="155644" cy="139192"/>
+          </a:xfrm>
+          <a:prstGeom prst="ellipse">
+            <a:avLst/>
+          </a:prstGeom>
+          <a:solidFill>
+            <a:schemeClr val="accent1">
+              <a:alpha val="0"/>
+            </a:schemeClr>
+          </a:solidFill>
+          <a:ln>
+            <a:solidFill>
+              <a:schemeClr val="accent1">
+                <a:shade val="50000"/>
+                <a:alpha val="0"/>
+              </a:schemeClr>
+            </a:solidFill>
+          </a:ln>
+        </p:spPr>
+        <p:style>
+          <a:lnRef idx="2">
+            <a:schemeClr val="accent1">
+              <a:shade val="50000"/>
+            </a:schemeClr>
+          </a:lnRef>
+          <a:fillRef idx="1">
+            <a:schemeClr val="accent1"/>
+          </a:fillRef>
+          <a:effectRef idx="0">
+            <a:schemeClr val="accent1"/>
+          </a:effectRef>
+          <a:fontRef idx="minor">
+            <a:schemeClr val="lt1"/>
+          </a:fontRef>
+        </p:style>
+        <p:txBody>
+          <a:bodyPr rtlCol="0" anchor="ctr"/>
+          <a:lstStyle/>
+          <a:p>
+            <a:pPr algn="ctr"/>
+            <a:endParaRPr lang="es-ES" dirty="0"/>
+          </a:p>
+        </p:txBody>
+      </p:sp>
     </p:spTree>
     <p:extLst>
       <p:ext uri="{BB962C8B-B14F-4D97-AF65-F5344CB8AC3E}">
@@ -36169,6 +38689,66 @@
           </a:prstGeom>
         </p:spPr>
       </p:pic>
+      <p:sp>
+        <p:nvSpPr>
+          <p:cNvPr id="16" name="Elipse 15">
+            <a:hlinkClick r:id="rId15" action="ppaction://hlinksldjump"/>
+            <a:extLst>
+              <a:ext uri="{FF2B5EF4-FFF2-40B4-BE49-F238E27FC236}">
+                <a16:creationId xmlns:a16="http://schemas.microsoft.com/office/drawing/2014/main" id="{DCEE9560-04C7-46A3-B9B6-EC0F0C3CC26C}"/>
+              </a:ext>
+            </a:extLst>
+          </p:cNvPr>
+          <p:cNvSpPr/>
+          <p:nvPr/>
+        </p:nvSpPr>
+        <p:spPr>
+          <a:xfrm>
+            <a:off x="8006633" y="331020"/>
+            <a:ext cx="155644" cy="139192"/>
+          </a:xfrm>
+          <a:prstGeom prst="ellipse">
+            <a:avLst/>
+          </a:prstGeom>
+          <a:solidFill>
+            <a:schemeClr val="accent1">
+              <a:alpha val="0"/>
+            </a:schemeClr>
+          </a:solidFill>
+          <a:ln>
+            <a:solidFill>
+              <a:schemeClr val="accent1">
+                <a:shade val="50000"/>
+                <a:alpha val="0"/>
+              </a:schemeClr>
+            </a:solidFill>
+          </a:ln>
+        </p:spPr>
+        <p:style>
+          <a:lnRef idx="2">
+            <a:schemeClr val="accent1">
+              <a:shade val="50000"/>
+            </a:schemeClr>
+          </a:lnRef>
+          <a:fillRef idx="1">
+            <a:schemeClr val="accent1"/>
+          </a:fillRef>
+          <a:effectRef idx="0">
+            <a:schemeClr val="accent1"/>
+          </a:effectRef>
+          <a:fontRef idx="minor">
+            <a:schemeClr val="lt1"/>
+          </a:fontRef>
+        </p:style>
+        <p:txBody>
+          <a:bodyPr rtlCol="0" anchor="ctr"/>
+          <a:lstStyle/>
+          <a:p>
+            <a:pPr algn="ctr"/>
+            <a:endParaRPr lang="es-ES" dirty="0"/>
+          </a:p>
+        </p:txBody>
+      </p:sp>
     </p:spTree>
     <p:extLst>
       <p:ext uri="{BB962C8B-B14F-4D97-AF65-F5344CB8AC3E}">
@@ -36884,6 +39464,66 @@
           </a:prstGeom>
         </p:spPr>
       </p:pic>
+      <p:sp>
+        <p:nvSpPr>
+          <p:cNvPr id="16" name="Elipse 15">
+            <a:hlinkClick r:id="rId15" action="ppaction://hlinksldjump"/>
+            <a:extLst>
+              <a:ext uri="{FF2B5EF4-FFF2-40B4-BE49-F238E27FC236}">
+                <a16:creationId xmlns:a16="http://schemas.microsoft.com/office/drawing/2014/main" id="{37FB8563-93FA-4ED6-8175-BF7BE9B68D8B}"/>
+              </a:ext>
+            </a:extLst>
+          </p:cNvPr>
+          <p:cNvSpPr/>
+          <p:nvPr/>
+        </p:nvSpPr>
+        <p:spPr>
+          <a:xfrm>
+            <a:off x="8006633" y="331020"/>
+            <a:ext cx="155644" cy="139192"/>
+          </a:xfrm>
+          <a:prstGeom prst="ellipse">
+            <a:avLst/>
+          </a:prstGeom>
+          <a:solidFill>
+            <a:schemeClr val="accent1">
+              <a:alpha val="0"/>
+            </a:schemeClr>
+          </a:solidFill>
+          <a:ln>
+            <a:solidFill>
+              <a:schemeClr val="accent1">
+                <a:shade val="50000"/>
+                <a:alpha val="0"/>
+              </a:schemeClr>
+            </a:solidFill>
+          </a:ln>
+        </p:spPr>
+        <p:style>
+          <a:lnRef idx="2">
+            <a:schemeClr val="accent1">
+              <a:shade val="50000"/>
+            </a:schemeClr>
+          </a:lnRef>
+          <a:fillRef idx="1">
+            <a:schemeClr val="accent1"/>
+          </a:fillRef>
+          <a:effectRef idx="0">
+            <a:schemeClr val="accent1"/>
+          </a:effectRef>
+          <a:fontRef idx="minor">
+            <a:schemeClr val="lt1"/>
+          </a:fontRef>
+        </p:style>
+        <p:txBody>
+          <a:bodyPr rtlCol="0" anchor="ctr"/>
+          <a:lstStyle/>
+          <a:p>
+            <a:pPr algn="ctr"/>
+            <a:endParaRPr lang="es-ES" dirty="0"/>
+          </a:p>
+        </p:txBody>
+      </p:sp>
     </p:spTree>
     <p:extLst>
       <p:ext uri="{BB962C8B-B14F-4D97-AF65-F5344CB8AC3E}">
@@ -37599,6 +40239,66 @@
           </a:prstGeom>
         </p:spPr>
       </p:pic>
+      <p:sp>
+        <p:nvSpPr>
+          <p:cNvPr id="16" name="Elipse 15">
+            <a:hlinkClick r:id="rId15" action="ppaction://hlinksldjump"/>
+            <a:extLst>
+              <a:ext uri="{FF2B5EF4-FFF2-40B4-BE49-F238E27FC236}">
+                <a16:creationId xmlns:a16="http://schemas.microsoft.com/office/drawing/2014/main" id="{5AE9F81E-FB7A-4705-A266-93F33A4FB9A6}"/>
+              </a:ext>
+            </a:extLst>
+          </p:cNvPr>
+          <p:cNvSpPr/>
+          <p:nvPr/>
+        </p:nvSpPr>
+        <p:spPr>
+          <a:xfrm>
+            <a:off x="8006633" y="331020"/>
+            <a:ext cx="155644" cy="139192"/>
+          </a:xfrm>
+          <a:prstGeom prst="ellipse">
+            <a:avLst/>
+          </a:prstGeom>
+          <a:solidFill>
+            <a:schemeClr val="accent1">
+              <a:alpha val="0"/>
+            </a:schemeClr>
+          </a:solidFill>
+          <a:ln>
+            <a:solidFill>
+              <a:schemeClr val="accent1">
+                <a:shade val="50000"/>
+                <a:alpha val="0"/>
+              </a:schemeClr>
+            </a:solidFill>
+          </a:ln>
+        </p:spPr>
+        <p:style>
+          <a:lnRef idx="2">
+            <a:schemeClr val="accent1">
+              <a:shade val="50000"/>
+            </a:schemeClr>
+          </a:lnRef>
+          <a:fillRef idx="1">
+            <a:schemeClr val="accent1"/>
+          </a:fillRef>
+          <a:effectRef idx="0">
+            <a:schemeClr val="accent1"/>
+          </a:effectRef>
+          <a:fontRef idx="minor">
+            <a:schemeClr val="lt1"/>
+          </a:fontRef>
+        </p:style>
+        <p:txBody>
+          <a:bodyPr rtlCol="0" anchor="ctr"/>
+          <a:lstStyle/>
+          <a:p>
+            <a:pPr algn="ctr"/>
+            <a:endParaRPr lang="es-ES" dirty="0"/>
+          </a:p>
+        </p:txBody>
+      </p:sp>
     </p:spTree>
     <p:extLst>
       <p:ext uri="{BB962C8B-B14F-4D97-AF65-F5344CB8AC3E}">
